--- a/documents/PPT/한자리.pptx
+++ b/documents/PPT/한자리.pptx
@@ -24,6 +24,7 @@
     <p:sldId id="272" r:id="rId18"/>
     <p:sldId id="273" r:id="rId19"/>
     <p:sldId id="274" r:id="rId20"/>
+    <p:sldId id="275" r:id="rId21"/>
   </p:sldIdLst>
   <p:sldSz cx="12192000" cy="6858000"/>
   <p:notesSz cx="6858000" cy="9144000"/>
@@ -11992,6 +11993,485 @@
                 <a:ea typeface="Tahoma"/>
                 <a:cs typeface="Tahoma"/>
               </a:rPr>
+              <a:t> 개발 도구</a:t>
+            </a:r>
+            <a:endParaRPr lang="ko-KR" altLang="en-US" sz="2400">
+              <a:solidFill>
+                <a:schemeClr val="tx2">
+                  <a:lumMod val="60000"/>
+                  <a:lumOff val="40000"/>
+                </a:schemeClr>
+              </a:solidFill>
+              <a:latin typeface="이순신 돋움체 M"/>
+              <a:ea typeface="Tahoma"/>
+              <a:cs typeface="Tahoma"/>
+            </a:endParaRPr>
+          </a:p>
+        </p:txBody>
+      </p:sp>
+      <p:pic>
+        <p:nvPicPr>
+          <p:cNvPr id="102" name=""/>
+          <p:cNvPicPr>
+            <a:picLocks noChangeAspect="1"/>
+          </p:cNvPicPr>
+          <p:nvPr/>
+        </p:nvPicPr>
+        <p:blipFill rotWithShape="1">
+          <a:blip r:embed="rId2"/>
+          <a:stretch>
+            <a:fillRect/>
+          </a:stretch>
+        </p:blipFill>
+        <p:spPr>
+          <a:xfrm>
+            <a:off x="1309687" y="1200150"/>
+            <a:ext cx="9572625" cy="4457700"/>
+          </a:xfrm>
+          <a:prstGeom prst="rect">
+            <a:avLst/>
+          </a:prstGeom>
+        </p:spPr>
+      </p:pic>
+    </p:spTree>
+  </p:cSld>
+  <p:clrMapOvr>
+    <a:masterClrMapping/>
+  </p:clrMapOvr>
+  <mc:AlternateContent xmlns:mc="http://schemas.openxmlformats.org/markup-compatibility/2006">
+    <mc:Choice xmlns:p14="http://schemas.microsoft.com/office/powerpoint/2010/main" Requires="p14">
+      <p:transition xmlns:mc="http://schemas.openxmlformats.org/markup-compatibility/2006" xmlns:p14="http://schemas.microsoft.com/office/powerpoint/2010/main" mc:Ignorable="p14" p14:dur="500"/>
+    </mc:Choice>
+    <mc:Fallback>
+      <p:transition/>
+    </mc:Fallback>
+  </mc:AlternateContent>
+</p:sld>
+</file>
+
+<file path=ppt/slides/slide18.xml><?xml version="1.0" encoding="utf-8"?>
+<p:sld xmlns:r="http://schemas.openxmlformats.org/officeDocument/2006/relationships" xmlns:c="http://schemas.openxmlformats.org/drawingml/2006/chart" xmlns:a="http://schemas.openxmlformats.org/drawingml/2006/main" xmlns:dgm="http://schemas.openxmlformats.org/drawingml/2006/diagram" xmlns:dsp="http://schemas.microsoft.com/office/drawing/2008/diagram" xmlns:p="http://schemas.openxmlformats.org/presentationml/2006/main">
+  <p:cSld>
+    <p:spTree>
+      <p:nvGrpSpPr>
+        <p:cNvPr id="1" name=""/>
+        <p:cNvGrpSpPr/>
+        <p:nvPr/>
+      </p:nvGrpSpPr>
+      <p:grpSpPr>
+        <a:xfrm>
+          <a:off x="0" y="0"/>
+          <a:ext cx="0" cy="0"/>
+          <a:chOff x="0" y="0"/>
+          <a:chExt cx="0" cy="0"/>
+        </a:xfrm>
+      </p:grpSpPr>
+      <p:grpSp>
+        <p:nvGrpSpPr>
+          <p:cNvPr id="14" name="그룹 13"/>
+          <p:cNvGrpSpPr/>
+          <p:nvPr/>
+        </p:nvGrpSpPr>
+        <p:grpSpPr>
+          <a:xfrm rot="0">
+            <a:off x="-2" y="-9416"/>
+            <a:ext cx="4508013" cy="3514616"/>
+            <a:chOff x="-2" y="-9416"/>
+            <a:chExt cx="4508013" cy="3514616"/>
+          </a:xfrm>
+        </p:grpSpPr>
+        <p:sp>
+          <p:nvSpPr>
+            <p:cNvPr id="15" name="직각 삼각형 14"/>
+            <p:cNvSpPr/>
+            <p:nvPr/>
+          </p:nvSpPr>
+          <p:spPr>
+            <a:xfrm rot="16200000" flipH="1" flipV="1">
+              <a:off x="1529040" y="-1538455"/>
+              <a:ext cx="1449931" cy="4508010"/>
+            </a:xfrm>
+            <a:prstGeom prst="rtTriangle">
+              <a:avLst/>
+            </a:prstGeom>
+            <a:solidFill>
+              <a:schemeClr val="bg1">
+                <a:lumMod val="95000"/>
+                <a:alpha val="31000"/>
+              </a:schemeClr>
+            </a:solidFill>
+            <a:ln>
+              <a:noFill/>
+            </a:ln>
+          </p:spPr>
+          <p:style>
+            <a:lnRef idx="2">
+              <a:schemeClr val="accent1">
+                <a:shade val="50000"/>
+              </a:schemeClr>
+            </a:lnRef>
+            <a:fillRef idx="1">
+              <a:schemeClr val="accent1"/>
+            </a:fillRef>
+            <a:effectRef idx="0">
+              <a:schemeClr val="accent1"/>
+            </a:effectRef>
+            <a:fontRef idx="minor">
+              <a:schemeClr val="lt1"/>
+            </a:fontRef>
+          </p:style>
+          <p:txBody>
+            <a:bodyPr anchor="ctr"/>
+            <a:lstStyle/>
+            <a:p>
+              <a:pPr algn="ctr">
+                <a:defRPr/>
+              </a:pPr>
+              <a:endParaRPr lang="ko-KR" altLang="en-US"/>
+            </a:p>
+          </p:txBody>
+        </p:sp>
+        <p:sp>
+          <p:nvSpPr>
+            <p:cNvPr id="16" name="직각 삼각형 15"/>
+            <p:cNvSpPr/>
+            <p:nvPr/>
+          </p:nvSpPr>
+          <p:spPr>
+            <a:xfrm rot="10800000" flipH="1">
+              <a:off x="0" y="-9416"/>
+              <a:ext cx="611957" cy="3514616"/>
+            </a:xfrm>
+            <a:prstGeom prst="rtTriangle">
+              <a:avLst/>
+            </a:prstGeom>
+            <a:solidFill>
+              <a:schemeClr val="tx2">
+                <a:lumMod val="60000"/>
+                <a:lumOff val="40000"/>
+                <a:alpha val="70000"/>
+              </a:schemeClr>
+            </a:solidFill>
+            <a:ln>
+              <a:noFill/>
+            </a:ln>
+          </p:spPr>
+          <p:style>
+            <a:lnRef idx="2">
+              <a:schemeClr val="accent1">
+                <a:shade val="50000"/>
+              </a:schemeClr>
+            </a:lnRef>
+            <a:fillRef idx="1">
+              <a:schemeClr val="accent1"/>
+            </a:fillRef>
+            <a:effectRef idx="0">
+              <a:schemeClr val="accent1"/>
+            </a:effectRef>
+            <a:fontRef idx="minor">
+              <a:schemeClr val="lt1"/>
+            </a:fontRef>
+          </p:style>
+          <p:txBody>
+            <a:bodyPr anchor="ctr"/>
+            <a:lstStyle/>
+            <a:p>
+              <a:pPr algn="ctr">
+                <a:defRPr/>
+              </a:pPr>
+              <a:endParaRPr lang="ko-KR" altLang="en-US"/>
+            </a:p>
+          </p:txBody>
+        </p:sp>
+        <p:sp>
+          <p:nvSpPr>
+            <p:cNvPr id="19" name="직각 삼각형 18"/>
+            <p:cNvSpPr/>
+            <p:nvPr/>
+          </p:nvSpPr>
+          <p:spPr>
+            <a:xfrm rot="16200000" flipH="1" flipV="1">
+              <a:off x="1910792" y="-1920210"/>
+              <a:ext cx="637031" cy="4458619"/>
+            </a:xfrm>
+            <a:prstGeom prst="rtTriangle">
+              <a:avLst/>
+            </a:prstGeom>
+            <a:solidFill>
+              <a:schemeClr val="tx2">
+                <a:lumMod val="60000"/>
+                <a:lumOff val="40000"/>
+                <a:alpha val="47000"/>
+              </a:schemeClr>
+            </a:solidFill>
+            <a:ln>
+              <a:noFill/>
+            </a:ln>
+          </p:spPr>
+          <p:style>
+            <a:lnRef idx="2">
+              <a:schemeClr val="accent1">
+                <a:shade val="50000"/>
+              </a:schemeClr>
+            </a:lnRef>
+            <a:fillRef idx="1">
+              <a:schemeClr val="accent1"/>
+            </a:fillRef>
+            <a:effectRef idx="0">
+              <a:schemeClr val="accent1"/>
+            </a:effectRef>
+            <a:fontRef idx="minor">
+              <a:schemeClr val="lt1"/>
+            </a:fontRef>
+          </p:style>
+          <p:txBody>
+            <a:bodyPr anchor="ctr"/>
+            <a:lstStyle/>
+            <a:p>
+              <a:pPr algn="ctr">
+                <a:defRPr/>
+              </a:pPr>
+              <a:endParaRPr lang="ko-KR" altLang="en-US"/>
+            </a:p>
+          </p:txBody>
+        </p:sp>
+      </p:grpSp>
+      <p:grpSp>
+        <p:nvGrpSpPr>
+          <p:cNvPr id="20" name="그룹 19"/>
+          <p:cNvGrpSpPr/>
+          <p:nvPr/>
+        </p:nvGrpSpPr>
+        <p:grpSpPr>
+          <a:xfrm rot="10800000">
+            <a:off x="7683987" y="3343384"/>
+            <a:ext cx="4508013" cy="3514616"/>
+            <a:chOff x="-2" y="-9416"/>
+            <a:chExt cx="4508013" cy="3514616"/>
+          </a:xfrm>
+        </p:grpSpPr>
+        <p:sp>
+          <p:nvSpPr>
+            <p:cNvPr id="29" name="직각 삼각형 28"/>
+            <p:cNvSpPr/>
+            <p:nvPr/>
+          </p:nvSpPr>
+          <p:spPr>
+            <a:xfrm rot="16200000" flipH="1" flipV="1">
+              <a:off x="1529040" y="-1538455"/>
+              <a:ext cx="1449931" cy="4508010"/>
+            </a:xfrm>
+            <a:prstGeom prst="rtTriangle">
+              <a:avLst/>
+            </a:prstGeom>
+            <a:solidFill>
+              <a:schemeClr val="bg1">
+                <a:lumMod val="95000"/>
+                <a:alpha val="31000"/>
+              </a:schemeClr>
+            </a:solidFill>
+            <a:ln>
+              <a:noFill/>
+            </a:ln>
+          </p:spPr>
+          <p:style>
+            <a:lnRef idx="2">
+              <a:schemeClr val="accent1">
+                <a:shade val="50000"/>
+              </a:schemeClr>
+            </a:lnRef>
+            <a:fillRef idx="1">
+              <a:schemeClr val="accent1"/>
+            </a:fillRef>
+            <a:effectRef idx="0">
+              <a:schemeClr val="accent1"/>
+            </a:effectRef>
+            <a:fontRef idx="minor">
+              <a:schemeClr val="lt1"/>
+            </a:fontRef>
+          </p:style>
+          <p:txBody>
+            <a:bodyPr anchor="ctr"/>
+            <a:lstStyle/>
+            <a:p>
+              <a:pPr algn="ctr">
+                <a:defRPr/>
+              </a:pPr>
+              <a:endParaRPr lang="ko-KR" altLang="en-US"/>
+            </a:p>
+          </p:txBody>
+        </p:sp>
+        <p:sp>
+          <p:nvSpPr>
+            <p:cNvPr id="30" name="직각 삼각형 29"/>
+            <p:cNvSpPr/>
+            <p:nvPr/>
+          </p:nvSpPr>
+          <p:spPr>
+            <a:xfrm rot="10800000" flipH="1">
+              <a:off x="0" y="-9416"/>
+              <a:ext cx="611957" cy="3514616"/>
+            </a:xfrm>
+            <a:prstGeom prst="rtTriangle">
+              <a:avLst/>
+            </a:prstGeom>
+            <a:solidFill>
+              <a:schemeClr val="tx2">
+                <a:lumMod val="60000"/>
+                <a:lumOff val="40000"/>
+                <a:alpha val="70000"/>
+              </a:schemeClr>
+            </a:solidFill>
+            <a:ln>
+              <a:noFill/>
+            </a:ln>
+          </p:spPr>
+          <p:style>
+            <a:lnRef idx="2">
+              <a:schemeClr val="accent1">
+                <a:shade val="50000"/>
+              </a:schemeClr>
+            </a:lnRef>
+            <a:fillRef idx="1">
+              <a:schemeClr val="accent1"/>
+            </a:fillRef>
+            <a:effectRef idx="0">
+              <a:schemeClr val="accent1"/>
+            </a:effectRef>
+            <a:fontRef idx="minor">
+              <a:schemeClr val="lt1"/>
+            </a:fontRef>
+          </p:style>
+          <p:txBody>
+            <a:bodyPr anchor="ctr"/>
+            <a:lstStyle/>
+            <a:p>
+              <a:pPr algn="ctr">
+                <a:defRPr/>
+              </a:pPr>
+              <a:endParaRPr lang="ko-KR" altLang="en-US"/>
+            </a:p>
+          </p:txBody>
+        </p:sp>
+        <p:sp>
+          <p:nvSpPr>
+            <p:cNvPr id="31" name="직각 삼각형 30"/>
+            <p:cNvSpPr/>
+            <p:nvPr/>
+          </p:nvSpPr>
+          <p:spPr>
+            <a:xfrm rot="16200000" flipH="1" flipV="1">
+              <a:off x="1910792" y="-1920210"/>
+              <a:ext cx="637031" cy="4458619"/>
+            </a:xfrm>
+            <a:prstGeom prst="rtTriangle">
+              <a:avLst/>
+            </a:prstGeom>
+            <a:solidFill>
+              <a:schemeClr val="tx2">
+                <a:lumMod val="60000"/>
+                <a:lumOff val="40000"/>
+                <a:alpha val="47000"/>
+              </a:schemeClr>
+            </a:solidFill>
+            <a:ln>
+              <a:noFill/>
+            </a:ln>
+          </p:spPr>
+          <p:style>
+            <a:lnRef idx="2">
+              <a:schemeClr val="accent1">
+                <a:shade val="50000"/>
+              </a:schemeClr>
+            </a:lnRef>
+            <a:fillRef idx="1">
+              <a:schemeClr val="accent1"/>
+            </a:fillRef>
+            <a:effectRef idx="0">
+              <a:schemeClr val="accent1"/>
+            </a:effectRef>
+            <a:fontRef idx="minor">
+              <a:schemeClr val="lt1"/>
+            </a:fontRef>
+          </p:style>
+          <p:txBody>
+            <a:bodyPr anchor="ctr"/>
+            <a:lstStyle/>
+            <a:p>
+              <a:pPr algn="ctr">
+                <a:defRPr/>
+              </a:pPr>
+              <a:endParaRPr lang="ko-KR" altLang="en-US"/>
+            </a:p>
+          </p:txBody>
+        </p:sp>
+      </p:grpSp>
+      <p:sp>
+        <p:nvSpPr>
+          <p:cNvPr id="32" name="내용 개체 틀 2"/>
+          <p:cNvSpPr txBox="1"/>
+          <p:nvPr/>
+        </p:nvSpPr>
+        <p:spPr>
+          <a:xfrm>
+            <a:off x="-218223" y="611997"/>
+            <a:ext cx="4678304" cy="461665"/>
+          </a:xfrm>
+          <a:prstGeom prst="rect">
+            <a:avLst/>
+          </a:prstGeom>
+        </p:spPr>
+        <p:txBody>
+          <a:bodyPr wrap="square">
+            <a:spAutoFit/>
+          </a:bodyPr>
+          <a:lstStyle>
+            <a:defPPr>
+              <a:defRPr lang="ko-KR"/>
+            </a:defPPr>
+            <a:lvl1pPr algn="ctr">
+              <a:defRPr sz="4400">
+                <a:solidFill>
+                  <a:schemeClr val="tx1">
+                    <a:lumMod val="75000"/>
+                    <a:lumOff val="25000"/>
+                  </a:schemeClr>
+                </a:solidFill>
+                <a:latin typeface="나눔고딕"/>
+                <a:ea typeface="나눔고딕"/>
+              </a:defRPr>
+            </a:lvl1pPr>
+          </a:lstStyle>
+          <a:p>
+            <a:pPr lvl="0">
+              <a:defRPr/>
+            </a:pPr>
+            <a:r>
+              <a:rPr lang="en-US" altLang="ko-KR" sz="2400">
+                <a:solidFill>
+                  <a:schemeClr val="tx2">
+                    <a:lumMod val="60000"/>
+                    <a:lumOff val="40000"/>
+                  </a:schemeClr>
+                </a:solidFill>
+                <a:latin typeface="이순신 돋움체 M"/>
+                <a:ea typeface="Tahoma"/>
+                <a:cs typeface="Tahoma"/>
+              </a:rPr>
+              <a:t>04.</a:t>
+            </a:r>
+            <a:r>
+              <a:rPr lang="ko-KR" altLang="en-US" sz="2400">
+                <a:solidFill>
+                  <a:schemeClr val="tx2">
+                    <a:lumMod val="60000"/>
+                    <a:lumOff val="40000"/>
+                  </a:schemeClr>
+                </a:solidFill>
+                <a:latin typeface="이순신 돋움체 M"/>
+                <a:ea typeface="Tahoma"/>
+                <a:cs typeface="Tahoma"/>
+              </a:rPr>
               <a:t> 개발 일정</a:t>
             </a:r>
             <a:endParaRPr lang="ko-KR" altLang="en-US" sz="2400">
@@ -13806,7 +14286,7 @@
 </p:sld>
 </file>
 
-<file path=ppt/slides/slide18.xml><?xml version="1.0" encoding="utf-8"?>
+<file path=ppt/slides/slide19.xml><?xml version="1.0" encoding="utf-8"?>
 <p:sld xmlns:r="http://schemas.openxmlformats.org/officeDocument/2006/relationships" xmlns:c="http://schemas.openxmlformats.org/drawingml/2006/chart" xmlns:a="http://schemas.openxmlformats.org/drawingml/2006/main" xmlns:dgm="http://schemas.openxmlformats.org/drawingml/2006/diagram" xmlns:dsp="http://schemas.microsoft.com/office/drawing/2008/diagram" xmlns:p="http://schemas.openxmlformats.org/presentationml/2006/main">
   <p:cSld>
     <p:spTree>
@@ -15476,7 +15956,1144 @@
 </p:sld>
 </file>
 
-<file path=ppt/slides/slide19.xml><?xml version="1.0" encoding="utf-8"?>
+<file path=ppt/slides/slide2.xml><?xml version="1.0" encoding="utf-8"?>
+<p:sld xmlns:r="http://schemas.openxmlformats.org/officeDocument/2006/relationships" xmlns:c="http://schemas.openxmlformats.org/drawingml/2006/chart" xmlns:a="http://schemas.openxmlformats.org/drawingml/2006/main" xmlns:dgm="http://schemas.openxmlformats.org/drawingml/2006/diagram" xmlns:dsp="http://schemas.microsoft.com/office/drawing/2008/diagram" xmlns:p="http://schemas.openxmlformats.org/presentationml/2006/main">
+  <p:cSld>
+    <p:spTree>
+      <p:nvGrpSpPr>
+        <p:cNvPr id="1" name=""/>
+        <p:cNvGrpSpPr/>
+        <p:nvPr/>
+      </p:nvGrpSpPr>
+      <p:grpSpPr>
+        <a:xfrm>
+          <a:off x="0" y="0"/>
+          <a:ext cx="0" cy="0"/>
+          <a:chOff x="0" y="0"/>
+          <a:chExt cx="0" cy="0"/>
+        </a:xfrm>
+      </p:grpSpPr>
+      <p:grpSp>
+        <p:nvGrpSpPr>
+          <p:cNvPr id="22" name="그룹 21"/>
+          <p:cNvGrpSpPr/>
+          <p:nvPr/>
+        </p:nvGrpSpPr>
+        <p:grpSpPr>
+          <a:xfrm rot="10800000">
+            <a:off x="2" y="-6268"/>
+            <a:ext cx="2313990" cy="6864268"/>
+            <a:chOff x="6382467" y="-5184410"/>
+            <a:chExt cx="2771151" cy="10348653"/>
+          </a:xfrm>
+          <a:solidFill>
+            <a:schemeClr val="tx2">
+              <a:lumMod val="60000"/>
+              <a:lumOff val="40000"/>
+            </a:schemeClr>
+          </a:solidFill>
+        </p:grpSpPr>
+        <p:sp>
+          <p:nvSpPr>
+            <p:cNvPr id="25" name="직사각형 24"/>
+            <p:cNvSpPr/>
+            <p:nvPr/>
+          </p:nvSpPr>
+          <p:spPr>
+            <a:xfrm>
+              <a:off x="7772973" y="-5173735"/>
+              <a:ext cx="1380645" cy="10337978"/>
+            </a:xfrm>
+            <a:prstGeom prst="rect">
+              <a:avLst/>
+            </a:prstGeom>
+            <a:grpFill/>
+            <a:ln>
+              <a:noFill/>
+            </a:ln>
+          </p:spPr>
+          <p:style>
+            <a:lnRef idx="2">
+              <a:schemeClr val="accent1">
+                <a:shade val="50000"/>
+              </a:schemeClr>
+            </a:lnRef>
+            <a:fillRef idx="1">
+              <a:schemeClr val="accent1"/>
+            </a:fillRef>
+            <a:effectRef idx="0">
+              <a:schemeClr val="accent1"/>
+            </a:effectRef>
+            <a:fontRef idx="minor">
+              <a:schemeClr val="lt1"/>
+            </a:fontRef>
+          </p:style>
+          <p:txBody>
+            <a:bodyPr anchor="ctr"/>
+            <a:lstStyle/>
+            <a:p>
+              <a:pPr algn="ctr">
+                <a:defRPr/>
+              </a:pPr>
+              <a:endParaRPr lang="ko-KR" altLang="en-US"/>
+            </a:p>
+          </p:txBody>
+        </p:sp>
+        <p:sp>
+          <p:nvSpPr>
+            <p:cNvPr id="26" name="직각 삼각형 25"/>
+            <p:cNvSpPr/>
+            <p:nvPr/>
+          </p:nvSpPr>
+          <p:spPr>
+            <a:xfrm flipH="1">
+              <a:off x="6382467" y="-5184410"/>
+              <a:ext cx="1390505" cy="10338573"/>
+            </a:xfrm>
+            <a:prstGeom prst="rtTriangle">
+              <a:avLst/>
+            </a:prstGeom>
+            <a:grpFill/>
+            <a:ln>
+              <a:noFill/>
+            </a:ln>
+          </p:spPr>
+          <p:style>
+            <a:lnRef idx="2">
+              <a:schemeClr val="accent1">
+                <a:shade val="50000"/>
+              </a:schemeClr>
+            </a:lnRef>
+            <a:fillRef idx="1">
+              <a:schemeClr val="accent1"/>
+            </a:fillRef>
+            <a:effectRef idx="0">
+              <a:schemeClr val="accent1"/>
+            </a:effectRef>
+            <a:fontRef idx="minor">
+              <a:schemeClr val="lt1"/>
+            </a:fontRef>
+          </p:style>
+          <p:txBody>
+            <a:bodyPr anchor="ctr"/>
+            <a:lstStyle/>
+            <a:p>
+              <a:pPr algn="ctr">
+                <a:defRPr/>
+              </a:pPr>
+              <a:endParaRPr lang="ko-KR" altLang="en-US"/>
+            </a:p>
+          </p:txBody>
+        </p:sp>
+      </p:grpSp>
+      <p:sp>
+        <p:nvSpPr>
+          <p:cNvPr id="24" name="직각 삼각형 23"/>
+          <p:cNvSpPr/>
+          <p:nvPr/>
+        </p:nvSpPr>
+        <p:spPr>
+          <a:xfrm rot="16200000" flipH="1" flipV="1">
+            <a:off x="5062522" y="-5075870"/>
+            <a:ext cx="2262026" cy="12387070"/>
+          </a:xfrm>
+          <a:prstGeom prst="rtTriangle">
+            <a:avLst/>
+          </a:prstGeom>
+          <a:solidFill>
+            <a:schemeClr val="bg1">
+              <a:lumMod val="95000"/>
+              <a:alpha val="47000"/>
+            </a:schemeClr>
+          </a:solidFill>
+          <a:ln>
+            <a:noFill/>
+          </a:ln>
+        </p:spPr>
+        <p:style>
+          <a:lnRef idx="2">
+            <a:schemeClr val="accent1">
+              <a:shade val="50000"/>
+            </a:schemeClr>
+          </a:lnRef>
+          <a:fillRef idx="1">
+            <a:schemeClr val="accent1"/>
+          </a:fillRef>
+          <a:effectRef idx="0">
+            <a:schemeClr val="accent1"/>
+          </a:effectRef>
+          <a:fontRef idx="minor">
+            <a:schemeClr val="lt1"/>
+          </a:fontRef>
+        </p:style>
+        <p:txBody>
+          <a:bodyPr anchor="ctr"/>
+          <a:lstStyle/>
+          <a:p>
+            <a:pPr algn="ctr">
+              <a:defRPr/>
+            </a:pPr>
+            <a:endParaRPr lang="ko-KR" altLang="en-US"/>
+          </a:p>
+        </p:txBody>
+      </p:sp>
+      <p:sp>
+        <p:nvSpPr>
+          <p:cNvPr id="23" name="직각 삼각형 22"/>
+          <p:cNvSpPr/>
+          <p:nvPr/>
+        </p:nvSpPr>
+        <p:spPr>
+          <a:xfrm rot="16200000" flipH="1" flipV="1">
+            <a:off x="5434474" y="-5436721"/>
+            <a:ext cx="1390442" cy="12251354"/>
+          </a:xfrm>
+          <a:prstGeom prst="rtTriangle">
+            <a:avLst/>
+          </a:prstGeom>
+          <a:solidFill>
+            <a:schemeClr val="tx2">
+              <a:alpha val="44000"/>
+            </a:schemeClr>
+          </a:solidFill>
+          <a:ln>
+            <a:noFill/>
+          </a:ln>
+        </p:spPr>
+        <p:style>
+          <a:lnRef idx="2">
+            <a:schemeClr val="accent1">
+              <a:shade val="50000"/>
+            </a:schemeClr>
+          </a:lnRef>
+          <a:fillRef idx="1">
+            <a:schemeClr val="accent1"/>
+          </a:fillRef>
+          <a:effectRef idx="0">
+            <a:schemeClr val="accent1"/>
+          </a:effectRef>
+          <a:fontRef idx="minor">
+            <a:schemeClr val="lt1"/>
+          </a:fontRef>
+        </p:style>
+        <p:txBody>
+          <a:bodyPr anchor="ctr"/>
+          <a:lstStyle/>
+          <a:p>
+            <a:pPr algn="ctr">
+              <a:defRPr/>
+            </a:pPr>
+            <a:endParaRPr lang="ko-KR" altLang="en-US"/>
+          </a:p>
+        </p:txBody>
+      </p:sp>
+      <p:sp>
+        <p:nvSpPr>
+          <p:cNvPr id="10" name="TextBox 9"/>
+          <p:cNvSpPr txBox="1"/>
+          <p:nvPr/>
+        </p:nvSpPr>
+        <p:spPr>
+          <a:xfrm>
+            <a:off x="2313993" y="2392751"/>
+            <a:ext cx="2255746" cy="584775"/>
+          </a:xfrm>
+          <a:prstGeom prst="rect">
+            <a:avLst/>
+          </a:prstGeom>
+          <a:noFill/>
+        </p:spPr>
+        <p:txBody>
+          <a:bodyPr wrap="none">
+            <a:spAutoFit/>
+          </a:bodyPr>
+          <a:lstStyle/>
+          <a:p>
+            <a:pPr lvl="0">
+              <a:defRPr/>
+            </a:pPr>
+            <a:r>
+              <a:rPr lang="en-US" altLang="ko-KR" sz="3200">
+                <a:solidFill>
+                  <a:schemeClr val="tx2">
+                    <a:lumMod val="60000"/>
+                    <a:lumOff val="40000"/>
+                  </a:schemeClr>
+                </a:solidFill>
+                <a:latin typeface="이순신 돋움체 M"/>
+                <a:ea typeface="Tahoma"/>
+                <a:cs typeface="Tahoma"/>
+              </a:rPr>
+              <a:t>CONTENTS</a:t>
+            </a:r>
+            <a:endParaRPr lang="ko-KR" altLang="en-US" sz="3200">
+              <a:solidFill>
+                <a:schemeClr val="tx2">
+                  <a:lumMod val="60000"/>
+                  <a:lumOff val="40000"/>
+                </a:schemeClr>
+              </a:solidFill>
+              <a:latin typeface="이순신 돋움체 M"/>
+              <a:ea typeface="a고딕18"/>
+              <a:cs typeface="Tahoma"/>
+            </a:endParaRPr>
+          </a:p>
+        </p:txBody>
+      </p:sp>
+      <p:sp>
+        <p:nvSpPr>
+          <p:cNvPr id="11" name="Rectangle 3"/>
+          <p:cNvSpPr txBox="1">
+            <a:spLocks noChangeArrowheads="1"/>
+          </p:cNvSpPr>
+          <p:nvPr/>
+        </p:nvSpPr>
+        <p:spPr>
+          <a:xfrm>
+            <a:off x="2404001" y="4010025"/>
+            <a:ext cx="986899" cy="553511"/>
+          </a:xfrm>
+          <a:prstGeom prst="rect">
+            <a:avLst/>
+          </a:prstGeom>
+          <a:noFill/>
+        </p:spPr>
+        <p:txBody>
+          <a:bodyPr wrap="none" lIns="0" tIns="0" rIns="0" bIns="0" anchor="ctr">
+            <a:spAutoFit/>
+          </a:bodyPr>
+          <a:lstStyle>
+            <a:lvl1pPr eaLnBrk="0" hangingPunct="0">
+              <a:defRPr kumimoji="1">
+                <a:solidFill>
+                  <a:schemeClr val="tx1"/>
+                </a:solidFill>
+                <a:latin typeface="굴림"/>
+                <a:ea typeface="굴림"/>
+              </a:defRPr>
+            </a:lvl1pPr>
+            <a:lvl2pPr marL="742950" indent="-285750" eaLnBrk="0" hangingPunct="0">
+              <a:defRPr kumimoji="1">
+                <a:solidFill>
+                  <a:schemeClr val="tx1"/>
+                </a:solidFill>
+                <a:latin typeface="굴림"/>
+                <a:ea typeface="굴림"/>
+              </a:defRPr>
+            </a:lvl2pPr>
+            <a:lvl3pPr marL="1143000" indent="-228600" eaLnBrk="0" hangingPunct="0">
+              <a:defRPr kumimoji="1">
+                <a:solidFill>
+                  <a:schemeClr val="tx1"/>
+                </a:solidFill>
+                <a:latin typeface="굴림"/>
+                <a:ea typeface="굴림"/>
+              </a:defRPr>
+            </a:lvl3pPr>
+            <a:lvl4pPr marL="1600200" indent="-228600" eaLnBrk="0" hangingPunct="0">
+              <a:defRPr kumimoji="1">
+                <a:solidFill>
+                  <a:schemeClr val="tx1"/>
+                </a:solidFill>
+                <a:latin typeface="굴림"/>
+                <a:ea typeface="굴림"/>
+              </a:defRPr>
+            </a:lvl4pPr>
+            <a:lvl5pPr marL="2057400" indent="-228600" eaLnBrk="0" hangingPunct="0">
+              <a:defRPr kumimoji="1">
+                <a:solidFill>
+                  <a:schemeClr val="tx1"/>
+                </a:solidFill>
+                <a:latin typeface="굴림"/>
+                <a:ea typeface="굴림"/>
+              </a:defRPr>
+            </a:lvl5pPr>
+            <a:lvl6pPr marL="2514600" indent="-228600" eaLnBrk="0" fontAlgn="base" hangingPunct="0">
+              <a:spcBef>
+                <a:spcPct val="0"/>
+              </a:spcBef>
+              <a:spcAft>
+                <a:spcPct val="0"/>
+              </a:spcAft>
+              <a:defRPr kumimoji="1">
+                <a:solidFill>
+                  <a:schemeClr val="tx1"/>
+                </a:solidFill>
+                <a:latin typeface="굴림"/>
+                <a:ea typeface="굴림"/>
+              </a:defRPr>
+            </a:lvl6pPr>
+            <a:lvl7pPr marL="2971800" indent="-228600" eaLnBrk="0" fontAlgn="base" hangingPunct="0">
+              <a:spcBef>
+                <a:spcPct val="0"/>
+              </a:spcBef>
+              <a:spcAft>
+                <a:spcPct val="0"/>
+              </a:spcAft>
+              <a:defRPr kumimoji="1">
+                <a:solidFill>
+                  <a:schemeClr val="tx1"/>
+                </a:solidFill>
+                <a:latin typeface="굴림"/>
+                <a:ea typeface="굴림"/>
+              </a:defRPr>
+            </a:lvl7pPr>
+            <a:lvl8pPr marL="3429000" indent="-228600" eaLnBrk="0" fontAlgn="base" hangingPunct="0">
+              <a:spcBef>
+                <a:spcPct val="0"/>
+              </a:spcBef>
+              <a:spcAft>
+                <a:spcPct val="0"/>
+              </a:spcAft>
+              <a:defRPr kumimoji="1">
+                <a:solidFill>
+                  <a:schemeClr val="tx1"/>
+                </a:solidFill>
+                <a:latin typeface="굴림"/>
+                <a:ea typeface="굴림"/>
+              </a:defRPr>
+            </a:lvl8pPr>
+            <a:lvl9pPr marL="3886200" indent="-228600" eaLnBrk="0" fontAlgn="base" hangingPunct="0">
+              <a:spcBef>
+                <a:spcPct val="0"/>
+              </a:spcBef>
+              <a:spcAft>
+                <a:spcPct val="0"/>
+              </a:spcAft>
+              <a:defRPr kumimoji="1">
+                <a:solidFill>
+                  <a:schemeClr val="tx1"/>
+                </a:solidFill>
+                <a:latin typeface="굴림"/>
+                <a:ea typeface="굴림"/>
+              </a:defRPr>
+            </a:lvl9pPr>
+          </a:lstStyle>
+          <a:p>
+            <a:pPr eaLnBrk="1" hangingPunct="1">
+              <a:lnSpc>
+                <a:spcPct val="90000"/>
+              </a:lnSpc>
+              <a:defRPr/>
+            </a:pPr>
+            <a:r>
+              <a:rPr lang="en-US" altLang="ko-KR" sz="2400">
+                <a:solidFill>
+                  <a:schemeClr val="tx2">
+                    <a:lumMod val="60000"/>
+                    <a:lumOff val="40000"/>
+                  </a:schemeClr>
+                </a:solidFill>
+                <a:latin typeface="이순신 돋움체 M"/>
+                <a:ea typeface="Tahoma"/>
+                <a:cs typeface="Tahoma"/>
+              </a:rPr>
+              <a:t>01.</a:t>
+            </a:r>
+            <a:endParaRPr lang="en-US" altLang="ko-KR" sz="2400">
+              <a:solidFill>
+                <a:schemeClr val="tx2">
+                  <a:lumMod val="60000"/>
+                  <a:lumOff val="40000"/>
+                </a:schemeClr>
+              </a:solidFill>
+              <a:latin typeface="이순신 돋움체 M"/>
+              <a:ea typeface="Tahoma"/>
+              <a:cs typeface="Tahoma"/>
+            </a:endParaRPr>
+          </a:p>
+          <a:p>
+            <a:pPr eaLnBrk="1" hangingPunct="1">
+              <a:lnSpc>
+                <a:spcPct val="90000"/>
+              </a:lnSpc>
+              <a:defRPr/>
+            </a:pPr>
+            <a:r>
+              <a:rPr lang="en-US" altLang="ko-KR" sz="1600">
+                <a:solidFill>
+                  <a:schemeClr val="tx2">
+                    <a:lumMod val="60000"/>
+                    <a:lumOff val="40000"/>
+                  </a:schemeClr>
+                </a:solidFill>
+                <a:latin typeface="이순신 돋움체 M"/>
+                <a:ea typeface="Tahoma"/>
+                <a:cs typeface="Tahoma"/>
+              </a:rPr>
+              <a:t> </a:t>
+            </a:r>
+            <a:r>
+              <a:rPr lang="ko-KR" altLang="en-US" sz="1600">
+                <a:solidFill>
+                  <a:schemeClr val="tx2">
+                    <a:lumMod val="60000"/>
+                    <a:lumOff val="40000"/>
+                  </a:schemeClr>
+                </a:solidFill>
+                <a:latin typeface="이순신 돋움체 M"/>
+                <a:ea typeface="Tahoma"/>
+                <a:cs typeface="Tahoma"/>
+              </a:rPr>
+              <a:t>한자리란</a:t>
+            </a:r>
+            <a:r>
+              <a:rPr lang="en-US" altLang="ko-KR" sz="1600">
+                <a:solidFill>
+                  <a:schemeClr val="tx2">
+                    <a:lumMod val="60000"/>
+                    <a:lumOff val="40000"/>
+                  </a:schemeClr>
+                </a:solidFill>
+                <a:latin typeface="이순신 돋움체 M"/>
+                <a:ea typeface="Tahoma"/>
+                <a:cs typeface="Tahoma"/>
+              </a:rPr>
+              <a:t>?</a:t>
+            </a:r>
+            <a:endParaRPr lang="en-US" altLang="ko-KR" sz="1600">
+              <a:solidFill>
+                <a:schemeClr val="tx2">
+                  <a:lumMod val="60000"/>
+                  <a:lumOff val="40000"/>
+                </a:schemeClr>
+              </a:solidFill>
+              <a:latin typeface="이순신 돋움체 M"/>
+              <a:ea typeface="Tahoma"/>
+              <a:cs typeface="Tahoma"/>
+            </a:endParaRPr>
+          </a:p>
+        </p:txBody>
+      </p:sp>
+      <p:sp>
+        <p:nvSpPr>
+          <p:cNvPr id="13" name="Rectangle 3"/>
+          <p:cNvSpPr txBox="1">
+            <a:spLocks noChangeArrowheads="1"/>
+          </p:cNvSpPr>
+          <p:nvPr/>
+        </p:nvSpPr>
+        <p:spPr>
+          <a:xfrm>
+            <a:off x="4286762" y="3971925"/>
+            <a:ext cx="2152138" cy="552450"/>
+          </a:xfrm>
+          <a:prstGeom prst="rect">
+            <a:avLst/>
+          </a:prstGeom>
+          <a:noFill/>
+        </p:spPr>
+        <p:txBody>
+          <a:bodyPr wrap="none" lIns="0" tIns="0" rIns="0" bIns="0" anchor="ctr">
+            <a:spAutoFit/>
+          </a:bodyPr>
+          <a:lstStyle>
+            <a:lvl1pPr eaLnBrk="0" hangingPunct="0">
+              <a:defRPr kumimoji="1">
+                <a:solidFill>
+                  <a:schemeClr val="tx1"/>
+                </a:solidFill>
+                <a:latin typeface="굴림"/>
+                <a:ea typeface="굴림"/>
+              </a:defRPr>
+            </a:lvl1pPr>
+            <a:lvl2pPr marL="742950" indent="-285750" eaLnBrk="0" hangingPunct="0">
+              <a:defRPr kumimoji="1">
+                <a:solidFill>
+                  <a:schemeClr val="tx1"/>
+                </a:solidFill>
+                <a:latin typeface="굴림"/>
+                <a:ea typeface="굴림"/>
+              </a:defRPr>
+            </a:lvl2pPr>
+            <a:lvl3pPr marL="1143000" indent="-228600" eaLnBrk="0" hangingPunct="0">
+              <a:defRPr kumimoji="1">
+                <a:solidFill>
+                  <a:schemeClr val="tx1"/>
+                </a:solidFill>
+                <a:latin typeface="굴림"/>
+                <a:ea typeface="굴림"/>
+              </a:defRPr>
+            </a:lvl3pPr>
+            <a:lvl4pPr marL="1600200" indent="-228600" eaLnBrk="0" hangingPunct="0">
+              <a:defRPr kumimoji="1">
+                <a:solidFill>
+                  <a:schemeClr val="tx1"/>
+                </a:solidFill>
+                <a:latin typeface="굴림"/>
+                <a:ea typeface="굴림"/>
+              </a:defRPr>
+            </a:lvl4pPr>
+            <a:lvl5pPr marL="2057400" indent="-228600" eaLnBrk="0" hangingPunct="0">
+              <a:defRPr kumimoji="1">
+                <a:solidFill>
+                  <a:schemeClr val="tx1"/>
+                </a:solidFill>
+                <a:latin typeface="굴림"/>
+                <a:ea typeface="굴림"/>
+              </a:defRPr>
+            </a:lvl5pPr>
+            <a:lvl6pPr marL="2514600" indent="-228600" eaLnBrk="0" fontAlgn="base" hangingPunct="0">
+              <a:spcBef>
+                <a:spcPct val="0"/>
+              </a:spcBef>
+              <a:spcAft>
+                <a:spcPct val="0"/>
+              </a:spcAft>
+              <a:defRPr kumimoji="1">
+                <a:solidFill>
+                  <a:schemeClr val="tx1"/>
+                </a:solidFill>
+                <a:latin typeface="굴림"/>
+                <a:ea typeface="굴림"/>
+              </a:defRPr>
+            </a:lvl6pPr>
+            <a:lvl7pPr marL="2971800" indent="-228600" eaLnBrk="0" fontAlgn="base" hangingPunct="0">
+              <a:spcBef>
+                <a:spcPct val="0"/>
+              </a:spcBef>
+              <a:spcAft>
+                <a:spcPct val="0"/>
+              </a:spcAft>
+              <a:defRPr kumimoji="1">
+                <a:solidFill>
+                  <a:schemeClr val="tx1"/>
+                </a:solidFill>
+                <a:latin typeface="굴림"/>
+                <a:ea typeface="굴림"/>
+              </a:defRPr>
+            </a:lvl7pPr>
+            <a:lvl8pPr marL="3429000" indent="-228600" eaLnBrk="0" fontAlgn="base" hangingPunct="0">
+              <a:spcBef>
+                <a:spcPct val="0"/>
+              </a:spcBef>
+              <a:spcAft>
+                <a:spcPct val="0"/>
+              </a:spcAft>
+              <a:defRPr kumimoji="1">
+                <a:solidFill>
+                  <a:schemeClr val="tx1"/>
+                </a:solidFill>
+                <a:latin typeface="굴림"/>
+                <a:ea typeface="굴림"/>
+              </a:defRPr>
+            </a:lvl8pPr>
+            <a:lvl9pPr marL="3886200" indent="-228600" eaLnBrk="0" fontAlgn="base" hangingPunct="0">
+              <a:spcBef>
+                <a:spcPct val="0"/>
+              </a:spcBef>
+              <a:spcAft>
+                <a:spcPct val="0"/>
+              </a:spcAft>
+              <a:defRPr kumimoji="1">
+                <a:solidFill>
+                  <a:schemeClr val="tx1"/>
+                </a:solidFill>
+                <a:latin typeface="굴림"/>
+                <a:ea typeface="굴림"/>
+              </a:defRPr>
+            </a:lvl9pPr>
+          </a:lstStyle>
+          <a:p>
+            <a:pPr eaLnBrk="1" hangingPunct="1">
+              <a:lnSpc>
+                <a:spcPct val="90000"/>
+              </a:lnSpc>
+              <a:defRPr/>
+            </a:pPr>
+            <a:r>
+              <a:rPr lang="en-US" altLang="ko-KR" sz="2400">
+                <a:solidFill>
+                  <a:schemeClr val="tx2">
+                    <a:lumMod val="60000"/>
+                    <a:lumOff val="40000"/>
+                  </a:schemeClr>
+                </a:solidFill>
+                <a:latin typeface="이순신 돋움체 M"/>
+                <a:ea typeface="Tahoma"/>
+                <a:cs typeface="Tahoma"/>
+              </a:rPr>
+              <a:t>02.</a:t>
+            </a:r>
+            <a:endParaRPr lang="en-US" altLang="ko-KR" sz="2400">
+              <a:solidFill>
+                <a:schemeClr val="tx2">
+                  <a:lumMod val="60000"/>
+                  <a:lumOff val="40000"/>
+                </a:schemeClr>
+              </a:solidFill>
+              <a:latin typeface="이순신 돋움체 M"/>
+              <a:ea typeface="Tahoma"/>
+              <a:cs typeface="Tahoma"/>
+            </a:endParaRPr>
+          </a:p>
+          <a:p>
+            <a:pPr eaLnBrk="1" hangingPunct="1">
+              <a:lnSpc>
+                <a:spcPct val="90000"/>
+              </a:lnSpc>
+              <a:defRPr/>
+            </a:pPr>
+            <a:r>
+              <a:rPr lang="ko-KR" altLang="en-US" sz="1600">
+                <a:solidFill>
+                  <a:schemeClr val="tx2">
+                    <a:lumMod val="60000"/>
+                    <a:lumOff val="40000"/>
+                  </a:schemeClr>
+                </a:solidFill>
+                <a:latin typeface="이순신 돋움체 M"/>
+                <a:ea typeface="Tahoma"/>
+                <a:cs typeface="Tahoma"/>
+              </a:rPr>
+              <a:t>요구사항 및 </a:t>
+            </a:r>
+            <a:r>
+              <a:rPr lang="en-US" altLang="ko-KR" sz="1600">
+                <a:solidFill>
+                  <a:schemeClr val="tx2">
+                    <a:lumMod val="60000"/>
+                    <a:lumOff val="40000"/>
+                  </a:schemeClr>
+                </a:solidFill>
+                <a:latin typeface="이순신 돋움체 M"/>
+                <a:ea typeface="Tahoma"/>
+                <a:cs typeface="Tahoma"/>
+              </a:rPr>
+              <a:t>FeatureList</a:t>
+            </a:r>
+            <a:endParaRPr lang="en-US" altLang="ko-KR" sz="1600">
+              <a:solidFill>
+                <a:schemeClr val="tx2">
+                  <a:lumMod val="60000"/>
+                  <a:lumOff val="40000"/>
+                </a:schemeClr>
+              </a:solidFill>
+              <a:latin typeface="이순신 돋움체 M"/>
+              <a:ea typeface="Tahoma"/>
+              <a:cs typeface="Tahoma"/>
+            </a:endParaRPr>
+          </a:p>
+        </p:txBody>
+      </p:sp>
+      <p:sp>
+        <p:nvSpPr>
+          <p:cNvPr id="15" name="Rectangle 3"/>
+          <p:cNvSpPr txBox="1">
+            <a:spLocks noChangeArrowheads="1"/>
+          </p:cNvSpPr>
+          <p:nvPr/>
+        </p:nvSpPr>
+        <p:spPr>
+          <a:xfrm>
+            <a:off x="7156452" y="3959680"/>
+            <a:ext cx="434973" cy="553998"/>
+          </a:xfrm>
+          <a:prstGeom prst="rect">
+            <a:avLst/>
+          </a:prstGeom>
+          <a:noFill/>
+        </p:spPr>
+        <p:txBody>
+          <a:bodyPr wrap="none" lIns="0" tIns="0" rIns="0" bIns="0" anchor="ctr">
+            <a:spAutoFit/>
+          </a:bodyPr>
+          <a:lstStyle>
+            <a:lvl1pPr eaLnBrk="0" hangingPunct="0">
+              <a:defRPr kumimoji="1">
+                <a:solidFill>
+                  <a:schemeClr val="tx1"/>
+                </a:solidFill>
+                <a:latin typeface="굴림"/>
+                <a:ea typeface="굴림"/>
+              </a:defRPr>
+            </a:lvl1pPr>
+            <a:lvl2pPr marL="742950" indent="-285750" eaLnBrk="0" hangingPunct="0">
+              <a:defRPr kumimoji="1">
+                <a:solidFill>
+                  <a:schemeClr val="tx1"/>
+                </a:solidFill>
+                <a:latin typeface="굴림"/>
+                <a:ea typeface="굴림"/>
+              </a:defRPr>
+            </a:lvl2pPr>
+            <a:lvl3pPr marL="1143000" indent="-228600" eaLnBrk="0" hangingPunct="0">
+              <a:defRPr kumimoji="1">
+                <a:solidFill>
+                  <a:schemeClr val="tx1"/>
+                </a:solidFill>
+                <a:latin typeface="굴림"/>
+                <a:ea typeface="굴림"/>
+              </a:defRPr>
+            </a:lvl3pPr>
+            <a:lvl4pPr marL="1600200" indent="-228600" eaLnBrk="0" hangingPunct="0">
+              <a:defRPr kumimoji="1">
+                <a:solidFill>
+                  <a:schemeClr val="tx1"/>
+                </a:solidFill>
+                <a:latin typeface="굴림"/>
+                <a:ea typeface="굴림"/>
+              </a:defRPr>
+            </a:lvl4pPr>
+            <a:lvl5pPr marL="2057400" indent="-228600" eaLnBrk="0" hangingPunct="0">
+              <a:defRPr kumimoji="1">
+                <a:solidFill>
+                  <a:schemeClr val="tx1"/>
+                </a:solidFill>
+                <a:latin typeface="굴림"/>
+                <a:ea typeface="굴림"/>
+              </a:defRPr>
+            </a:lvl5pPr>
+            <a:lvl6pPr marL="2514600" indent="-228600" eaLnBrk="0" fontAlgn="base" hangingPunct="0">
+              <a:spcBef>
+                <a:spcPct val="0"/>
+              </a:spcBef>
+              <a:spcAft>
+                <a:spcPct val="0"/>
+              </a:spcAft>
+              <a:defRPr kumimoji="1">
+                <a:solidFill>
+                  <a:schemeClr val="tx1"/>
+                </a:solidFill>
+                <a:latin typeface="굴림"/>
+                <a:ea typeface="굴림"/>
+              </a:defRPr>
+            </a:lvl6pPr>
+            <a:lvl7pPr marL="2971800" indent="-228600" eaLnBrk="0" fontAlgn="base" hangingPunct="0">
+              <a:spcBef>
+                <a:spcPct val="0"/>
+              </a:spcBef>
+              <a:spcAft>
+                <a:spcPct val="0"/>
+              </a:spcAft>
+              <a:defRPr kumimoji="1">
+                <a:solidFill>
+                  <a:schemeClr val="tx1"/>
+                </a:solidFill>
+                <a:latin typeface="굴림"/>
+                <a:ea typeface="굴림"/>
+              </a:defRPr>
+            </a:lvl7pPr>
+            <a:lvl8pPr marL="3429000" indent="-228600" eaLnBrk="0" fontAlgn="base" hangingPunct="0">
+              <a:spcBef>
+                <a:spcPct val="0"/>
+              </a:spcBef>
+              <a:spcAft>
+                <a:spcPct val="0"/>
+              </a:spcAft>
+              <a:defRPr kumimoji="1">
+                <a:solidFill>
+                  <a:schemeClr val="tx1"/>
+                </a:solidFill>
+                <a:latin typeface="굴림"/>
+                <a:ea typeface="굴림"/>
+              </a:defRPr>
+            </a:lvl8pPr>
+            <a:lvl9pPr marL="3886200" indent="-228600" eaLnBrk="0" fontAlgn="base" hangingPunct="0">
+              <a:spcBef>
+                <a:spcPct val="0"/>
+              </a:spcBef>
+              <a:spcAft>
+                <a:spcPct val="0"/>
+              </a:spcAft>
+              <a:defRPr kumimoji="1">
+                <a:solidFill>
+                  <a:schemeClr val="tx1"/>
+                </a:solidFill>
+                <a:latin typeface="굴림"/>
+                <a:ea typeface="굴림"/>
+              </a:defRPr>
+            </a:lvl9pPr>
+          </a:lstStyle>
+          <a:p>
+            <a:pPr eaLnBrk="1" hangingPunct="1">
+              <a:lnSpc>
+                <a:spcPct val="90000"/>
+              </a:lnSpc>
+              <a:defRPr/>
+            </a:pPr>
+            <a:r>
+              <a:rPr lang="en-US" altLang="ko-KR" sz="2400">
+                <a:solidFill>
+                  <a:schemeClr val="tx2">
+                    <a:lumMod val="60000"/>
+                    <a:lumOff val="40000"/>
+                  </a:schemeClr>
+                </a:solidFill>
+                <a:latin typeface="이순신 돋움체 M"/>
+                <a:ea typeface="Tahoma"/>
+                <a:cs typeface="Tahoma"/>
+              </a:rPr>
+              <a:t>03.</a:t>
+            </a:r>
+            <a:endParaRPr lang="en-US" altLang="ko-KR" sz="2400">
+              <a:solidFill>
+                <a:schemeClr val="tx2">
+                  <a:lumMod val="60000"/>
+                  <a:lumOff val="40000"/>
+                </a:schemeClr>
+              </a:solidFill>
+              <a:latin typeface="이순신 돋움체 M"/>
+              <a:ea typeface="Tahoma"/>
+              <a:cs typeface="Tahoma"/>
+            </a:endParaRPr>
+          </a:p>
+          <a:p>
+            <a:pPr eaLnBrk="1" hangingPunct="1">
+              <a:lnSpc>
+                <a:spcPct val="90000"/>
+              </a:lnSpc>
+              <a:defRPr/>
+            </a:pPr>
+            <a:r>
+              <a:rPr lang="en-US" altLang="ko-KR" sz="1600">
+                <a:solidFill>
+                  <a:schemeClr val="tx2">
+                    <a:lumMod val="60000"/>
+                    <a:lumOff val="40000"/>
+                  </a:schemeClr>
+                </a:solidFill>
+                <a:latin typeface="이순신 돋움체 M"/>
+                <a:ea typeface="Tahoma"/>
+                <a:cs typeface="Tahoma"/>
+              </a:rPr>
+              <a:t>UI</a:t>
+            </a:r>
+            <a:endParaRPr lang="en-US" altLang="ko-KR" sz="1600">
+              <a:solidFill>
+                <a:schemeClr val="tx2">
+                  <a:lumMod val="60000"/>
+                  <a:lumOff val="40000"/>
+                </a:schemeClr>
+              </a:solidFill>
+              <a:latin typeface="이순신 돋움체 M"/>
+              <a:ea typeface="Tahoma"/>
+              <a:cs typeface="Tahoma"/>
+            </a:endParaRPr>
+          </a:p>
+        </p:txBody>
+      </p:sp>
+      <p:sp>
+        <p:nvSpPr>
+          <p:cNvPr id="27" name="Rectangle 3"/>
+          <p:cNvSpPr txBox="1">
+            <a:spLocks noChangeArrowheads="1"/>
+          </p:cNvSpPr>
+          <p:nvPr/>
+        </p:nvSpPr>
+        <p:spPr>
+          <a:xfrm>
+            <a:off x="8721217" y="3959680"/>
+            <a:ext cx="432306" cy="553998"/>
+          </a:xfrm>
+          <a:prstGeom prst="rect">
+            <a:avLst/>
+          </a:prstGeom>
+          <a:noFill/>
+        </p:spPr>
+        <p:txBody>
+          <a:bodyPr wrap="none" lIns="0" tIns="0" rIns="0" bIns="0" anchor="ctr">
+            <a:spAutoFit/>
+          </a:bodyPr>
+          <a:lstStyle>
+            <a:lvl1pPr eaLnBrk="0" hangingPunct="0">
+              <a:defRPr kumimoji="1">
+                <a:solidFill>
+                  <a:schemeClr val="tx1"/>
+                </a:solidFill>
+                <a:latin typeface="굴림"/>
+                <a:ea typeface="굴림"/>
+              </a:defRPr>
+            </a:lvl1pPr>
+            <a:lvl2pPr marL="742950" indent="-285750" eaLnBrk="0" hangingPunct="0">
+              <a:defRPr kumimoji="1">
+                <a:solidFill>
+                  <a:schemeClr val="tx1"/>
+                </a:solidFill>
+                <a:latin typeface="굴림"/>
+                <a:ea typeface="굴림"/>
+              </a:defRPr>
+            </a:lvl2pPr>
+            <a:lvl3pPr marL="1143000" indent="-228600" eaLnBrk="0" hangingPunct="0">
+              <a:defRPr kumimoji="1">
+                <a:solidFill>
+                  <a:schemeClr val="tx1"/>
+                </a:solidFill>
+                <a:latin typeface="굴림"/>
+                <a:ea typeface="굴림"/>
+              </a:defRPr>
+            </a:lvl3pPr>
+            <a:lvl4pPr marL="1600200" indent="-228600" eaLnBrk="0" hangingPunct="0">
+              <a:defRPr kumimoji="1">
+                <a:solidFill>
+                  <a:schemeClr val="tx1"/>
+                </a:solidFill>
+                <a:latin typeface="굴림"/>
+                <a:ea typeface="굴림"/>
+              </a:defRPr>
+            </a:lvl4pPr>
+            <a:lvl5pPr marL="2057400" indent="-228600" eaLnBrk="0" hangingPunct="0">
+              <a:defRPr kumimoji="1">
+                <a:solidFill>
+                  <a:schemeClr val="tx1"/>
+                </a:solidFill>
+                <a:latin typeface="굴림"/>
+                <a:ea typeface="굴림"/>
+              </a:defRPr>
+            </a:lvl5pPr>
+            <a:lvl6pPr marL="2514600" indent="-228600" eaLnBrk="0" fontAlgn="base" hangingPunct="0">
+              <a:spcBef>
+                <a:spcPct val="0"/>
+              </a:spcBef>
+              <a:spcAft>
+                <a:spcPct val="0"/>
+              </a:spcAft>
+              <a:defRPr kumimoji="1">
+                <a:solidFill>
+                  <a:schemeClr val="tx1"/>
+                </a:solidFill>
+                <a:latin typeface="굴림"/>
+                <a:ea typeface="굴림"/>
+              </a:defRPr>
+            </a:lvl6pPr>
+            <a:lvl7pPr marL="2971800" indent="-228600" eaLnBrk="0" fontAlgn="base" hangingPunct="0">
+              <a:spcBef>
+                <a:spcPct val="0"/>
+              </a:spcBef>
+              <a:spcAft>
+                <a:spcPct val="0"/>
+              </a:spcAft>
+              <a:defRPr kumimoji="1">
+                <a:solidFill>
+                  <a:schemeClr val="tx1"/>
+                </a:solidFill>
+                <a:latin typeface="굴림"/>
+                <a:ea typeface="굴림"/>
+              </a:defRPr>
+            </a:lvl7pPr>
+            <a:lvl8pPr marL="3429000" indent="-228600" eaLnBrk="0" fontAlgn="base" hangingPunct="0">
+              <a:spcBef>
+                <a:spcPct val="0"/>
+              </a:spcBef>
+              <a:spcAft>
+                <a:spcPct val="0"/>
+              </a:spcAft>
+              <a:defRPr kumimoji="1">
+                <a:solidFill>
+                  <a:schemeClr val="tx1"/>
+                </a:solidFill>
+                <a:latin typeface="굴림"/>
+                <a:ea typeface="굴림"/>
+              </a:defRPr>
+            </a:lvl8pPr>
+            <a:lvl9pPr marL="3886200" indent="-228600" eaLnBrk="0" fontAlgn="base" hangingPunct="0">
+              <a:spcBef>
+                <a:spcPct val="0"/>
+              </a:spcBef>
+              <a:spcAft>
+                <a:spcPct val="0"/>
+              </a:spcAft>
+              <a:defRPr kumimoji="1">
+                <a:solidFill>
+                  <a:schemeClr val="tx1"/>
+                </a:solidFill>
+                <a:latin typeface="굴림"/>
+                <a:ea typeface="굴림"/>
+              </a:defRPr>
+            </a:lvl9pPr>
+          </a:lstStyle>
+          <a:p>
+            <a:pPr eaLnBrk="1" hangingPunct="1">
+              <a:lnSpc>
+                <a:spcPct val="90000"/>
+              </a:lnSpc>
+              <a:defRPr/>
+            </a:pPr>
+            <a:r>
+              <a:rPr lang="en-US" altLang="ko-KR" sz="2400">
+                <a:solidFill>
+                  <a:schemeClr val="tx2">
+                    <a:lumMod val="60000"/>
+                    <a:lumOff val="40000"/>
+                  </a:schemeClr>
+                </a:solidFill>
+                <a:latin typeface="이순신 돋움체 M"/>
+                <a:ea typeface="Tahoma"/>
+                <a:cs typeface="Tahoma"/>
+              </a:rPr>
+              <a:t>04.</a:t>
+            </a:r>
+            <a:endParaRPr lang="en-US" altLang="ko-KR" sz="2400">
+              <a:solidFill>
+                <a:schemeClr val="tx2">
+                  <a:lumMod val="60000"/>
+                  <a:lumOff val="40000"/>
+                </a:schemeClr>
+              </a:solidFill>
+              <a:latin typeface="이순신 돋움체 M"/>
+              <a:ea typeface="Tahoma"/>
+              <a:cs typeface="Tahoma"/>
+            </a:endParaRPr>
+          </a:p>
+          <a:p>
+            <a:pPr eaLnBrk="1" hangingPunct="1">
+              <a:lnSpc>
+                <a:spcPct val="90000"/>
+              </a:lnSpc>
+              <a:defRPr/>
+            </a:pPr>
+            <a:r>
+              <a:rPr lang="ko-KR" altLang="en-US" sz="1600">
+                <a:solidFill>
+                  <a:schemeClr val="tx2">
+                    <a:lumMod val="60000"/>
+                    <a:lumOff val="40000"/>
+                  </a:schemeClr>
+                </a:solidFill>
+                <a:latin typeface="이순신 돋움체 M"/>
+                <a:ea typeface="Tahoma"/>
+                <a:cs typeface="Tahoma"/>
+              </a:rPr>
+              <a:t>개발</a:t>
+            </a:r>
+            <a:endParaRPr lang="ko-KR" altLang="en-US" sz="1600">
+              <a:solidFill>
+                <a:schemeClr val="tx2">
+                  <a:lumMod val="60000"/>
+                  <a:lumOff val="40000"/>
+                </a:schemeClr>
+              </a:solidFill>
+              <a:latin typeface="이순신 돋움체 M"/>
+              <a:ea typeface="Tahoma"/>
+              <a:cs typeface="Tahoma"/>
+            </a:endParaRPr>
+          </a:p>
+        </p:txBody>
+      </p:sp>
+    </p:spTree>
+  </p:cSld>
+  <p:clrMapOvr>
+    <a:masterClrMapping/>
+  </p:clrMapOvr>
+  <mc:AlternateContent xmlns:mc="http://schemas.openxmlformats.org/markup-compatibility/2006">
+    <mc:Choice xmlns:p14="http://schemas.microsoft.com/office/powerpoint/2010/main" Requires="p14">
+      <p:transition xmlns:mc="http://schemas.openxmlformats.org/markup-compatibility/2006" xmlns:p14="http://schemas.microsoft.com/office/powerpoint/2010/main" mc:Ignorable="p14" p14:dur="500"/>
+    </mc:Choice>
+    <mc:Fallback>
+      <p:transition/>
+    </mc:Fallback>
+  </mc:AlternateContent>
+  <p:timing>
+    <p:tnLst>
+      <p:par>
+        <p:cTn id="1" dur="indefinite" restart="never" nodeType="tmRoot"/>
+      </p:par>
+    </p:tnLst>
+  </p:timing>
+</p:sld>
+</file>
+
+<file path=ppt/slides/slide20.xml><?xml version="1.0" encoding="utf-8"?>
 <p:sld xmlns:r="http://schemas.openxmlformats.org/officeDocument/2006/relationships" xmlns:c="http://schemas.openxmlformats.org/drawingml/2006/chart" xmlns:a="http://schemas.openxmlformats.org/drawingml/2006/main" xmlns:dgm="http://schemas.openxmlformats.org/drawingml/2006/diagram" xmlns:dsp="http://schemas.microsoft.com/office/drawing/2008/diagram" xmlns:p="http://schemas.openxmlformats.org/presentationml/2006/main">
   <p:cSld>
     <p:spTree>
@@ -15800,1143 +17417,6 @@
               <a:defRPr/>
             </a:pPr>
             <a:endParaRPr lang="ko-KR" altLang="en-US"/>
-          </a:p>
-        </p:txBody>
-      </p:sp>
-    </p:spTree>
-  </p:cSld>
-  <p:clrMapOvr>
-    <a:masterClrMapping/>
-  </p:clrMapOvr>
-  <mc:AlternateContent xmlns:mc="http://schemas.openxmlformats.org/markup-compatibility/2006">
-    <mc:Choice xmlns:p14="http://schemas.microsoft.com/office/powerpoint/2010/main" Requires="p14">
-      <p:transition xmlns:mc="http://schemas.openxmlformats.org/markup-compatibility/2006" xmlns:p14="http://schemas.microsoft.com/office/powerpoint/2010/main" mc:Ignorable="p14" p14:dur="500"/>
-    </mc:Choice>
-    <mc:Fallback>
-      <p:transition/>
-    </mc:Fallback>
-  </mc:AlternateContent>
-  <p:timing>
-    <p:tnLst>
-      <p:par>
-        <p:cTn id="1" dur="indefinite" restart="never" nodeType="tmRoot"/>
-      </p:par>
-    </p:tnLst>
-  </p:timing>
-</p:sld>
-</file>
-
-<file path=ppt/slides/slide2.xml><?xml version="1.0" encoding="utf-8"?>
-<p:sld xmlns:r="http://schemas.openxmlformats.org/officeDocument/2006/relationships" xmlns:c="http://schemas.openxmlformats.org/drawingml/2006/chart" xmlns:a="http://schemas.openxmlformats.org/drawingml/2006/main" xmlns:dgm="http://schemas.openxmlformats.org/drawingml/2006/diagram" xmlns:dsp="http://schemas.microsoft.com/office/drawing/2008/diagram" xmlns:p="http://schemas.openxmlformats.org/presentationml/2006/main">
-  <p:cSld>
-    <p:spTree>
-      <p:nvGrpSpPr>
-        <p:cNvPr id="1" name=""/>
-        <p:cNvGrpSpPr/>
-        <p:nvPr/>
-      </p:nvGrpSpPr>
-      <p:grpSpPr>
-        <a:xfrm>
-          <a:off x="0" y="0"/>
-          <a:ext cx="0" cy="0"/>
-          <a:chOff x="0" y="0"/>
-          <a:chExt cx="0" cy="0"/>
-        </a:xfrm>
-      </p:grpSpPr>
-      <p:grpSp>
-        <p:nvGrpSpPr>
-          <p:cNvPr id="22" name="그룹 21"/>
-          <p:cNvGrpSpPr/>
-          <p:nvPr/>
-        </p:nvGrpSpPr>
-        <p:grpSpPr>
-          <a:xfrm rot="10800000">
-            <a:off x="2" y="-6268"/>
-            <a:ext cx="2313990" cy="6864268"/>
-            <a:chOff x="6382467" y="-5184410"/>
-            <a:chExt cx="2771151" cy="10348653"/>
-          </a:xfrm>
-          <a:solidFill>
-            <a:schemeClr val="tx2">
-              <a:lumMod val="60000"/>
-              <a:lumOff val="40000"/>
-            </a:schemeClr>
-          </a:solidFill>
-        </p:grpSpPr>
-        <p:sp>
-          <p:nvSpPr>
-            <p:cNvPr id="25" name="직사각형 24"/>
-            <p:cNvSpPr/>
-            <p:nvPr/>
-          </p:nvSpPr>
-          <p:spPr>
-            <a:xfrm>
-              <a:off x="7772973" y="-5173735"/>
-              <a:ext cx="1380645" cy="10337978"/>
-            </a:xfrm>
-            <a:prstGeom prst="rect">
-              <a:avLst/>
-            </a:prstGeom>
-            <a:grpFill/>
-            <a:ln>
-              <a:noFill/>
-            </a:ln>
-          </p:spPr>
-          <p:style>
-            <a:lnRef idx="2">
-              <a:schemeClr val="accent1">
-                <a:shade val="50000"/>
-              </a:schemeClr>
-            </a:lnRef>
-            <a:fillRef idx="1">
-              <a:schemeClr val="accent1"/>
-            </a:fillRef>
-            <a:effectRef idx="0">
-              <a:schemeClr val="accent1"/>
-            </a:effectRef>
-            <a:fontRef idx="minor">
-              <a:schemeClr val="lt1"/>
-            </a:fontRef>
-          </p:style>
-          <p:txBody>
-            <a:bodyPr anchor="ctr"/>
-            <a:lstStyle/>
-            <a:p>
-              <a:pPr algn="ctr">
-                <a:defRPr/>
-              </a:pPr>
-              <a:endParaRPr lang="ko-KR" altLang="en-US"/>
-            </a:p>
-          </p:txBody>
-        </p:sp>
-        <p:sp>
-          <p:nvSpPr>
-            <p:cNvPr id="26" name="직각 삼각형 25"/>
-            <p:cNvSpPr/>
-            <p:nvPr/>
-          </p:nvSpPr>
-          <p:spPr>
-            <a:xfrm flipH="1">
-              <a:off x="6382467" y="-5184410"/>
-              <a:ext cx="1390505" cy="10338573"/>
-            </a:xfrm>
-            <a:prstGeom prst="rtTriangle">
-              <a:avLst/>
-            </a:prstGeom>
-            <a:grpFill/>
-            <a:ln>
-              <a:noFill/>
-            </a:ln>
-          </p:spPr>
-          <p:style>
-            <a:lnRef idx="2">
-              <a:schemeClr val="accent1">
-                <a:shade val="50000"/>
-              </a:schemeClr>
-            </a:lnRef>
-            <a:fillRef idx="1">
-              <a:schemeClr val="accent1"/>
-            </a:fillRef>
-            <a:effectRef idx="0">
-              <a:schemeClr val="accent1"/>
-            </a:effectRef>
-            <a:fontRef idx="minor">
-              <a:schemeClr val="lt1"/>
-            </a:fontRef>
-          </p:style>
-          <p:txBody>
-            <a:bodyPr anchor="ctr"/>
-            <a:lstStyle/>
-            <a:p>
-              <a:pPr algn="ctr">
-                <a:defRPr/>
-              </a:pPr>
-              <a:endParaRPr lang="ko-KR" altLang="en-US"/>
-            </a:p>
-          </p:txBody>
-        </p:sp>
-      </p:grpSp>
-      <p:sp>
-        <p:nvSpPr>
-          <p:cNvPr id="24" name="직각 삼각형 23"/>
-          <p:cNvSpPr/>
-          <p:nvPr/>
-        </p:nvSpPr>
-        <p:spPr>
-          <a:xfrm rot="16200000" flipH="1" flipV="1">
-            <a:off x="5062522" y="-5075870"/>
-            <a:ext cx="2262026" cy="12387070"/>
-          </a:xfrm>
-          <a:prstGeom prst="rtTriangle">
-            <a:avLst/>
-          </a:prstGeom>
-          <a:solidFill>
-            <a:schemeClr val="bg1">
-              <a:lumMod val="95000"/>
-              <a:alpha val="47000"/>
-            </a:schemeClr>
-          </a:solidFill>
-          <a:ln>
-            <a:noFill/>
-          </a:ln>
-        </p:spPr>
-        <p:style>
-          <a:lnRef idx="2">
-            <a:schemeClr val="accent1">
-              <a:shade val="50000"/>
-            </a:schemeClr>
-          </a:lnRef>
-          <a:fillRef idx="1">
-            <a:schemeClr val="accent1"/>
-          </a:fillRef>
-          <a:effectRef idx="0">
-            <a:schemeClr val="accent1"/>
-          </a:effectRef>
-          <a:fontRef idx="minor">
-            <a:schemeClr val="lt1"/>
-          </a:fontRef>
-        </p:style>
-        <p:txBody>
-          <a:bodyPr anchor="ctr"/>
-          <a:lstStyle/>
-          <a:p>
-            <a:pPr algn="ctr">
-              <a:defRPr/>
-            </a:pPr>
-            <a:endParaRPr lang="ko-KR" altLang="en-US"/>
-          </a:p>
-        </p:txBody>
-      </p:sp>
-      <p:sp>
-        <p:nvSpPr>
-          <p:cNvPr id="23" name="직각 삼각형 22"/>
-          <p:cNvSpPr/>
-          <p:nvPr/>
-        </p:nvSpPr>
-        <p:spPr>
-          <a:xfrm rot="16200000" flipH="1" flipV="1">
-            <a:off x="5434474" y="-5436721"/>
-            <a:ext cx="1390442" cy="12251354"/>
-          </a:xfrm>
-          <a:prstGeom prst="rtTriangle">
-            <a:avLst/>
-          </a:prstGeom>
-          <a:solidFill>
-            <a:schemeClr val="tx2">
-              <a:alpha val="44000"/>
-            </a:schemeClr>
-          </a:solidFill>
-          <a:ln>
-            <a:noFill/>
-          </a:ln>
-        </p:spPr>
-        <p:style>
-          <a:lnRef idx="2">
-            <a:schemeClr val="accent1">
-              <a:shade val="50000"/>
-            </a:schemeClr>
-          </a:lnRef>
-          <a:fillRef idx="1">
-            <a:schemeClr val="accent1"/>
-          </a:fillRef>
-          <a:effectRef idx="0">
-            <a:schemeClr val="accent1"/>
-          </a:effectRef>
-          <a:fontRef idx="minor">
-            <a:schemeClr val="lt1"/>
-          </a:fontRef>
-        </p:style>
-        <p:txBody>
-          <a:bodyPr anchor="ctr"/>
-          <a:lstStyle/>
-          <a:p>
-            <a:pPr algn="ctr">
-              <a:defRPr/>
-            </a:pPr>
-            <a:endParaRPr lang="ko-KR" altLang="en-US"/>
-          </a:p>
-        </p:txBody>
-      </p:sp>
-      <p:sp>
-        <p:nvSpPr>
-          <p:cNvPr id="10" name="TextBox 9"/>
-          <p:cNvSpPr txBox="1"/>
-          <p:nvPr/>
-        </p:nvSpPr>
-        <p:spPr>
-          <a:xfrm>
-            <a:off x="2313993" y="2392751"/>
-            <a:ext cx="2255746" cy="584775"/>
-          </a:xfrm>
-          <a:prstGeom prst="rect">
-            <a:avLst/>
-          </a:prstGeom>
-          <a:noFill/>
-        </p:spPr>
-        <p:txBody>
-          <a:bodyPr wrap="none">
-            <a:spAutoFit/>
-          </a:bodyPr>
-          <a:lstStyle/>
-          <a:p>
-            <a:pPr lvl="0">
-              <a:defRPr/>
-            </a:pPr>
-            <a:r>
-              <a:rPr lang="en-US" altLang="ko-KR" sz="3200">
-                <a:solidFill>
-                  <a:schemeClr val="tx2">
-                    <a:lumMod val="60000"/>
-                    <a:lumOff val="40000"/>
-                  </a:schemeClr>
-                </a:solidFill>
-                <a:latin typeface="이순신 돋움체 M"/>
-                <a:ea typeface="Tahoma"/>
-                <a:cs typeface="Tahoma"/>
-              </a:rPr>
-              <a:t>CONTENTS</a:t>
-            </a:r>
-            <a:endParaRPr lang="ko-KR" altLang="en-US" sz="3200">
-              <a:solidFill>
-                <a:schemeClr val="tx2">
-                  <a:lumMod val="60000"/>
-                  <a:lumOff val="40000"/>
-                </a:schemeClr>
-              </a:solidFill>
-              <a:latin typeface="이순신 돋움체 M"/>
-              <a:ea typeface="a고딕18"/>
-              <a:cs typeface="Tahoma"/>
-            </a:endParaRPr>
-          </a:p>
-        </p:txBody>
-      </p:sp>
-      <p:sp>
-        <p:nvSpPr>
-          <p:cNvPr id="11" name="Rectangle 3"/>
-          <p:cNvSpPr txBox="1">
-            <a:spLocks noChangeArrowheads="1"/>
-          </p:cNvSpPr>
-          <p:nvPr/>
-        </p:nvSpPr>
-        <p:spPr>
-          <a:xfrm>
-            <a:off x="2404001" y="4010025"/>
-            <a:ext cx="986899" cy="553511"/>
-          </a:xfrm>
-          <a:prstGeom prst="rect">
-            <a:avLst/>
-          </a:prstGeom>
-          <a:noFill/>
-        </p:spPr>
-        <p:txBody>
-          <a:bodyPr wrap="none" lIns="0" tIns="0" rIns="0" bIns="0" anchor="ctr">
-            <a:spAutoFit/>
-          </a:bodyPr>
-          <a:lstStyle>
-            <a:lvl1pPr eaLnBrk="0" hangingPunct="0">
-              <a:defRPr kumimoji="1">
-                <a:solidFill>
-                  <a:schemeClr val="tx1"/>
-                </a:solidFill>
-                <a:latin typeface="굴림"/>
-                <a:ea typeface="굴림"/>
-              </a:defRPr>
-            </a:lvl1pPr>
-            <a:lvl2pPr marL="742950" indent="-285750" eaLnBrk="0" hangingPunct="0">
-              <a:defRPr kumimoji="1">
-                <a:solidFill>
-                  <a:schemeClr val="tx1"/>
-                </a:solidFill>
-                <a:latin typeface="굴림"/>
-                <a:ea typeface="굴림"/>
-              </a:defRPr>
-            </a:lvl2pPr>
-            <a:lvl3pPr marL="1143000" indent="-228600" eaLnBrk="0" hangingPunct="0">
-              <a:defRPr kumimoji="1">
-                <a:solidFill>
-                  <a:schemeClr val="tx1"/>
-                </a:solidFill>
-                <a:latin typeface="굴림"/>
-                <a:ea typeface="굴림"/>
-              </a:defRPr>
-            </a:lvl3pPr>
-            <a:lvl4pPr marL="1600200" indent="-228600" eaLnBrk="0" hangingPunct="0">
-              <a:defRPr kumimoji="1">
-                <a:solidFill>
-                  <a:schemeClr val="tx1"/>
-                </a:solidFill>
-                <a:latin typeface="굴림"/>
-                <a:ea typeface="굴림"/>
-              </a:defRPr>
-            </a:lvl4pPr>
-            <a:lvl5pPr marL="2057400" indent="-228600" eaLnBrk="0" hangingPunct="0">
-              <a:defRPr kumimoji="1">
-                <a:solidFill>
-                  <a:schemeClr val="tx1"/>
-                </a:solidFill>
-                <a:latin typeface="굴림"/>
-                <a:ea typeface="굴림"/>
-              </a:defRPr>
-            </a:lvl5pPr>
-            <a:lvl6pPr marL="2514600" indent="-228600" eaLnBrk="0" fontAlgn="base" hangingPunct="0">
-              <a:spcBef>
-                <a:spcPct val="0"/>
-              </a:spcBef>
-              <a:spcAft>
-                <a:spcPct val="0"/>
-              </a:spcAft>
-              <a:defRPr kumimoji="1">
-                <a:solidFill>
-                  <a:schemeClr val="tx1"/>
-                </a:solidFill>
-                <a:latin typeface="굴림"/>
-                <a:ea typeface="굴림"/>
-              </a:defRPr>
-            </a:lvl6pPr>
-            <a:lvl7pPr marL="2971800" indent="-228600" eaLnBrk="0" fontAlgn="base" hangingPunct="0">
-              <a:spcBef>
-                <a:spcPct val="0"/>
-              </a:spcBef>
-              <a:spcAft>
-                <a:spcPct val="0"/>
-              </a:spcAft>
-              <a:defRPr kumimoji="1">
-                <a:solidFill>
-                  <a:schemeClr val="tx1"/>
-                </a:solidFill>
-                <a:latin typeface="굴림"/>
-                <a:ea typeface="굴림"/>
-              </a:defRPr>
-            </a:lvl7pPr>
-            <a:lvl8pPr marL="3429000" indent="-228600" eaLnBrk="0" fontAlgn="base" hangingPunct="0">
-              <a:spcBef>
-                <a:spcPct val="0"/>
-              </a:spcBef>
-              <a:spcAft>
-                <a:spcPct val="0"/>
-              </a:spcAft>
-              <a:defRPr kumimoji="1">
-                <a:solidFill>
-                  <a:schemeClr val="tx1"/>
-                </a:solidFill>
-                <a:latin typeface="굴림"/>
-                <a:ea typeface="굴림"/>
-              </a:defRPr>
-            </a:lvl8pPr>
-            <a:lvl9pPr marL="3886200" indent="-228600" eaLnBrk="0" fontAlgn="base" hangingPunct="0">
-              <a:spcBef>
-                <a:spcPct val="0"/>
-              </a:spcBef>
-              <a:spcAft>
-                <a:spcPct val="0"/>
-              </a:spcAft>
-              <a:defRPr kumimoji="1">
-                <a:solidFill>
-                  <a:schemeClr val="tx1"/>
-                </a:solidFill>
-                <a:latin typeface="굴림"/>
-                <a:ea typeface="굴림"/>
-              </a:defRPr>
-            </a:lvl9pPr>
-          </a:lstStyle>
-          <a:p>
-            <a:pPr eaLnBrk="1" hangingPunct="1">
-              <a:lnSpc>
-                <a:spcPct val="90000"/>
-              </a:lnSpc>
-              <a:defRPr/>
-            </a:pPr>
-            <a:r>
-              <a:rPr lang="en-US" altLang="ko-KR" sz="2400">
-                <a:solidFill>
-                  <a:schemeClr val="tx2">
-                    <a:lumMod val="60000"/>
-                    <a:lumOff val="40000"/>
-                  </a:schemeClr>
-                </a:solidFill>
-                <a:latin typeface="이순신 돋움체 M"/>
-                <a:ea typeface="Tahoma"/>
-                <a:cs typeface="Tahoma"/>
-              </a:rPr>
-              <a:t>01.</a:t>
-            </a:r>
-            <a:endParaRPr lang="en-US" altLang="ko-KR" sz="2400">
-              <a:solidFill>
-                <a:schemeClr val="tx2">
-                  <a:lumMod val="60000"/>
-                  <a:lumOff val="40000"/>
-                </a:schemeClr>
-              </a:solidFill>
-              <a:latin typeface="이순신 돋움체 M"/>
-              <a:ea typeface="Tahoma"/>
-              <a:cs typeface="Tahoma"/>
-            </a:endParaRPr>
-          </a:p>
-          <a:p>
-            <a:pPr eaLnBrk="1" hangingPunct="1">
-              <a:lnSpc>
-                <a:spcPct val="90000"/>
-              </a:lnSpc>
-              <a:defRPr/>
-            </a:pPr>
-            <a:r>
-              <a:rPr lang="en-US" altLang="ko-KR" sz="1600">
-                <a:solidFill>
-                  <a:schemeClr val="tx2">
-                    <a:lumMod val="60000"/>
-                    <a:lumOff val="40000"/>
-                  </a:schemeClr>
-                </a:solidFill>
-                <a:latin typeface="이순신 돋움체 M"/>
-                <a:ea typeface="Tahoma"/>
-                <a:cs typeface="Tahoma"/>
-              </a:rPr>
-              <a:t> </a:t>
-            </a:r>
-            <a:r>
-              <a:rPr lang="ko-KR" altLang="en-US" sz="1600">
-                <a:solidFill>
-                  <a:schemeClr val="tx2">
-                    <a:lumMod val="60000"/>
-                    <a:lumOff val="40000"/>
-                  </a:schemeClr>
-                </a:solidFill>
-                <a:latin typeface="이순신 돋움체 M"/>
-                <a:ea typeface="Tahoma"/>
-                <a:cs typeface="Tahoma"/>
-              </a:rPr>
-              <a:t>한자리란</a:t>
-            </a:r>
-            <a:r>
-              <a:rPr lang="en-US" altLang="ko-KR" sz="1600">
-                <a:solidFill>
-                  <a:schemeClr val="tx2">
-                    <a:lumMod val="60000"/>
-                    <a:lumOff val="40000"/>
-                  </a:schemeClr>
-                </a:solidFill>
-                <a:latin typeface="이순신 돋움체 M"/>
-                <a:ea typeface="Tahoma"/>
-                <a:cs typeface="Tahoma"/>
-              </a:rPr>
-              <a:t>?</a:t>
-            </a:r>
-            <a:endParaRPr lang="en-US" altLang="ko-KR" sz="1600">
-              <a:solidFill>
-                <a:schemeClr val="tx2">
-                  <a:lumMod val="60000"/>
-                  <a:lumOff val="40000"/>
-                </a:schemeClr>
-              </a:solidFill>
-              <a:latin typeface="이순신 돋움체 M"/>
-              <a:ea typeface="Tahoma"/>
-              <a:cs typeface="Tahoma"/>
-            </a:endParaRPr>
-          </a:p>
-        </p:txBody>
-      </p:sp>
-      <p:sp>
-        <p:nvSpPr>
-          <p:cNvPr id="13" name="Rectangle 3"/>
-          <p:cNvSpPr txBox="1">
-            <a:spLocks noChangeArrowheads="1"/>
-          </p:cNvSpPr>
-          <p:nvPr/>
-        </p:nvSpPr>
-        <p:spPr>
-          <a:xfrm>
-            <a:off x="4286762" y="3971925"/>
-            <a:ext cx="2152138" cy="552450"/>
-          </a:xfrm>
-          <a:prstGeom prst="rect">
-            <a:avLst/>
-          </a:prstGeom>
-          <a:noFill/>
-        </p:spPr>
-        <p:txBody>
-          <a:bodyPr wrap="none" lIns="0" tIns="0" rIns="0" bIns="0" anchor="ctr">
-            <a:spAutoFit/>
-          </a:bodyPr>
-          <a:lstStyle>
-            <a:lvl1pPr eaLnBrk="0" hangingPunct="0">
-              <a:defRPr kumimoji="1">
-                <a:solidFill>
-                  <a:schemeClr val="tx1"/>
-                </a:solidFill>
-                <a:latin typeface="굴림"/>
-                <a:ea typeface="굴림"/>
-              </a:defRPr>
-            </a:lvl1pPr>
-            <a:lvl2pPr marL="742950" indent="-285750" eaLnBrk="0" hangingPunct="0">
-              <a:defRPr kumimoji="1">
-                <a:solidFill>
-                  <a:schemeClr val="tx1"/>
-                </a:solidFill>
-                <a:latin typeface="굴림"/>
-                <a:ea typeface="굴림"/>
-              </a:defRPr>
-            </a:lvl2pPr>
-            <a:lvl3pPr marL="1143000" indent="-228600" eaLnBrk="0" hangingPunct="0">
-              <a:defRPr kumimoji="1">
-                <a:solidFill>
-                  <a:schemeClr val="tx1"/>
-                </a:solidFill>
-                <a:latin typeface="굴림"/>
-                <a:ea typeface="굴림"/>
-              </a:defRPr>
-            </a:lvl3pPr>
-            <a:lvl4pPr marL="1600200" indent="-228600" eaLnBrk="0" hangingPunct="0">
-              <a:defRPr kumimoji="1">
-                <a:solidFill>
-                  <a:schemeClr val="tx1"/>
-                </a:solidFill>
-                <a:latin typeface="굴림"/>
-                <a:ea typeface="굴림"/>
-              </a:defRPr>
-            </a:lvl4pPr>
-            <a:lvl5pPr marL="2057400" indent="-228600" eaLnBrk="0" hangingPunct="0">
-              <a:defRPr kumimoji="1">
-                <a:solidFill>
-                  <a:schemeClr val="tx1"/>
-                </a:solidFill>
-                <a:latin typeface="굴림"/>
-                <a:ea typeface="굴림"/>
-              </a:defRPr>
-            </a:lvl5pPr>
-            <a:lvl6pPr marL="2514600" indent="-228600" eaLnBrk="0" fontAlgn="base" hangingPunct="0">
-              <a:spcBef>
-                <a:spcPct val="0"/>
-              </a:spcBef>
-              <a:spcAft>
-                <a:spcPct val="0"/>
-              </a:spcAft>
-              <a:defRPr kumimoji="1">
-                <a:solidFill>
-                  <a:schemeClr val="tx1"/>
-                </a:solidFill>
-                <a:latin typeface="굴림"/>
-                <a:ea typeface="굴림"/>
-              </a:defRPr>
-            </a:lvl6pPr>
-            <a:lvl7pPr marL="2971800" indent="-228600" eaLnBrk="0" fontAlgn="base" hangingPunct="0">
-              <a:spcBef>
-                <a:spcPct val="0"/>
-              </a:spcBef>
-              <a:spcAft>
-                <a:spcPct val="0"/>
-              </a:spcAft>
-              <a:defRPr kumimoji="1">
-                <a:solidFill>
-                  <a:schemeClr val="tx1"/>
-                </a:solidFill>
-                <a:latin typeface="굴림"/>
-                <a:ea typeface="굴림"/>
-              </a:defRPr>
-            </a:lvl7pPr>
-            <a:lvl8pPr marL="3429000" indent="-228600" eaLnBrk="0" fontAlgn="base" hangingPunct="0">
-              <a:spcBef>
-                <a:spcPct val="0"/>
-              </a:spcBef>
-              <a:spcAft>
-                <a:spcPct val="0"/>
-              </a:spcAft>
-              <a:defRPr kumimoji="1">
-                <a:solidFill>
-                  <a:schemeClr val="tx1"/>
-                </a:solidFill>
-                <a:latin typeface="굴림"/>
-                <a:ea typeface="굴림"/>
-              </a:defRPr>
-            </a:lvl8pPr>
-            <a:lvl9pPr marL="3886200" indent="-228600" eaLnBrk="0" fontAlgn="base" hangingPunct="0">
-              <a:spcBef>
-                <a:spcPct val="0"/>
-              </a:spcBef>
-              <a:spcAft>
-                <a:spcPct val="0"/>
-              </a:spcAft>
-              <a:defRPr kumimoji="1">
-                <a:solidFill>
-                  <a:schemeClr val="tx1"/>
-                </a:solidFill>
-                <a:latin typeface="굴림"/>
-                <a:ea typeface="굴림"/>
-              </a:defRPr>
-            </a:lvl9pPr>
-          </a:lstStyle>
-          <a:p>
-            <a:pPr eaLnBrk="1" hangingPunct="1">
-              <a:lnSpc>
-                <a:spcPct val="90000"/>
-              </a:lnSpc>
-              <a:defRPr/>
-            </a:pPr>
-            <a:r>
-              <a:rPr lang="en-US" altLang="ko-KR" sz="2400">
-                <a:solidFill>
-                  <a:schemeClr val="tx2">
-                    <a:lumMod val="60000"/>
-                    <a:lumOff val="40000"/>
-                  </a:schemeClr>
-                </a:solidFill>
-                <a:latin typeface="이순신 돋움체 M"/>
-                <a:ea typeface="Tahoma"/>
-                <a:cs typeface="Tahoma"/>
-              </a:rPr>
-              <a:t>02.</a:t>
-            </a:r>
-            <a:endParaRPr lang="en-US" altLang="ko-KR" sz="2400">
-              <a:solidFill>
-                <a:schemeClr val="tx2">
-                  <a:lumMod val="60000"/>
-                  <a:lumOff val="40000"/>
-                </a:schemeClr>
-              </a:solidFill>
-              <a:latin typeface="이순신 돋움체 M"/>
-              <a:ea typeface="Tahoma"/>
-              <a:cs typeface="Tahoma"/>
-            </a:endParaRPr>
-          </a:p>
-          <a:p>
-            <a:pPr eaLnBrk="1" hangingPunct="1">
-              <a:lnSpc>
-                <a:spcPct val="90000"/>
-              </a:lnSpc>
-              <a:defRPr/>
-            </a:pPr>
-            <a:r>
-              <a:rPr lang="ko-KR" altLang="en-US" sz="1600">
-                <a:solidFill>
-                  <a:schemeClr val="tx2">
-                    <a:lumMod val="60000"/>
-                    <a:lumOff val="40000"/>
-                  </a:schemeClr>
-                </a:solidFill>
-                <a:latin typeface="이순신 돋움체 M"/>
-                <a:ea typeface="Tahoma"/>
-                <a:cs typeface="Tahoma"/>
-              </a:rPr>
-              <a:t>요구사항 및 </a:t>
-            </a:r>
-            <a:r>
-              <a:rPr lang="en-US" altLang="ko-KR" sz="1600">
-                <a:solidFill>
-                  <a:schemeClr val="tx2">
-                    <a:lumMod val="60000"/>
-                    <a:lumOff val="40000"/>
-                  </a:schemeClr>
-                </a:solidFill>
-                <a:latin typeface="이순신 돋움체 M"/>
-                <a:ea typeface="Tahoma"/>
-                <a:cs typeface="Tahoma"/>
-              </a:rPr>
-              <a:t>FeatureList</a:t>
-            </a:r>
-            <a:endParaRPr lang="en-US" altLang="ko-KR" sz="1600">
-              <a:solidFill>
-                <a:schemeClr val="tx2">
-                  <a:lumMod val="60000"/>
-                  <a:lumOff val="40000"/>
-                </a:schemeClr>
-              </a:solidFill>
-              <a:latin typeface="이순신 돋움체 M"/>
-              <a:ea typeface="Tahoma"/>
-              <a:cs typeface="Tahoma"/>
-            </a:endParaRPr>
-          </a:p>
-        </p:txBody>
-      </p:sp>
-      <p:sp>
-        <p:nvSpPr>
-          <p:cNvPr id="15" name="Rectangle 3"/>
-          <p:cNvSpPr txBox="1">
-            <a:spLocks noChangeArrowheads="1"/>
-          </p:cNvSpPr>
-          <p:nvPr/>
-        </p:nvSpPr>
-        <p:spPr>
-          <a:xfrm>
-            <a:off x="7156452" y="3959680"/>
-            <a:ext cx="434973" cy="553998"/>
-          </a:xfrm>
-          <a:prstGeom prst="rect">
-            <a:avLst/>
-          </a:prstGeom>
-          <a:noFill/>
-        </p:spPr>
-        <p:txBody>
-          <a:bodyPr wrap="none" lIns="0" tIns="0" rIns="0" bIns="0" anchor="ctr">
-            <a:spAutoFit/>
-          </a:bodyPr>
-          <a:lstStyle>
-            <a:lvl1pPr eaLnBrk="0" hangingPunct="0">
-              <a:defRPr kumimoji="1">
-                <a:solidFill>
-                  <a:schemeClr val="tx1"/>
-                </a:solidFill>
-                <a:latin typeface="굴림"/>
-                <a:ea typeface="굴림"/>
-              </a:defRPr>
-            </a:lvl1pPr>
-            <a:lvl2pPr marL="742950" indent="-285750" eaLnBrk="0" hangingPunct="0">
-              <a:defRPr kumimoji="1">
-                <a:solidFill>
-                  <a:schemeClr val="tx1"/>
-                </a:solidFill>
-                <a:latin typeface="굴림"/>
-                <a:ea typeface="굴림"/>
-              </a:defRPr>
-            </a:lvl2pPr>
-            <a:lvl3pPr marL="1143000" indent="-228600" eaLnBrk="0" hangingPunct="0">
-              <a:defRPr kumimoji="1">
-                <a:solidFill>
-                  <a:schemeClr val="tx1"/>
-                </a:solidFill>
-                <a:latin typeface="굴림"/>
-                <a:ea typeface="굴림"/>
-              </a:defRPr>
-            </a:lvl3pPr>
-            <a:lvl4pPr marL="1600200" indent="-228600" eaLnBrk="0" hangingPunct="0">
-              <a:defRPr kumimoji="1">
-                <a:solidFill>
-                  <a:schemeClr val="tx1"/>
-                </a:solidFill>
-                <a:latin typeface="굴림"/>
-                <a:ea typeface="굴림"/>
-              </a:defRPr>
-            </a:lvl4pPr>
-            <a:lvl5pPr marL="2057400" indent="-228600" eaLnBrk="0" hangingPunct="0">
-              <a:defRPr kumimoji="1">
-                <a:solidFill>
-                  <a:schemeClr val="tx1"/>
-                </a:solidFill>
-                <a:latin typeface="굴림"/>
-                <a:ea typeface="굴림"/>
-              </a:defRPr>
-            </a:lvl5pPr>
-            <a:lvl6pPr marL="2514600" indent="-228600" eaLnBrk="0" fontAlgn="base" hangingPunct="0">
-              <a:spcBef>
-                <a:spcPct val="0"/>
-              </a:spcBef>
-              <a:spcAft>
-                <a:spcPct val="0"/>
-              </a:spcAft>
-              <a:defRPr kumimoji="1">
-                <a:solidFill>
-                  <a:schemeClr val="tx1"/>
-                </a:solidFill>
-                <a:latin typeface="굴림"/>
-                <a:ea typeface="굴림"/>
-              </a:defRPr>
-            </a:lvl6pPr>
-            <a:lvl7pPr marL="2971800" indent="-228600" eaLnBrk="0" fontAlgn="base" hangingPunct="0">
-              <a:spcBef>
-                <a:spcPct val="0"/>
-              </a:spcBef>
-              <a:spcAft>
-                <a:spcPct val="0"/>
-              </a:spcAft>
-              <a:defRPr kumimoji="1">
-                <a:solidFill>
-                  <a:schemeClr val="tx1"/>
-                </a:solidFill>
-                <a:latin typeface="굴림"/>
-                <a:ea typeface="굴림"/>
-              </a:defRPr>
-            </a:lvl7pPr>
-            <a:lvl8pPr marL="3429000" indent="-228600" eaLnBrk="0" fontAlgn="base" hangingPunct="0">
-              <a:spcBef>
-                <a:spcPct val="0"/>
-              </a:spcBef>
-              <a:spcAft>
-                <a:spcPct val="0"/>
-              </a:spcAft>
-              <a:defRPr kumimoji="1">
-                <a:solidFill>
-                  <a:schemeClr val="tx1"/>
-                </a:solidFill>
-                <a:latin typeface="굴림"/>
-                <a:ea typeface="굴림"/>
-              </a:defRPr>
-            </a:lvl8pPr>
-            <a:lvl9pPr marL="3886200" indent="-228600" eaLnBrk="0" fontAlgn="base" hangingPunct="0">
-              <a:spcBef>
-                <a:spcPct val="0"/>
-              </a:spcBef>
-              <a:spcAft>
-                <a:spcPct val="0"/>
-              </a:spcAft>
-              <a:defRPr kumimoji="1">
-                <a:solidFill>
-                  <a:schemeClr val="tx1"/>
-                </a:solidFill>
-                <a:latin typeface="굴림"/>
-                <a:ea typeface="굴림"/>
-              </a:defRPr>
-            </a:lvl9pPr>
-          </a:lstStyle>
-          <a:p>
-            <a:pPr eaLnBrk="1" hangingPunct="1">
-              <a:lnSpc>
-                <a:spcPct val="90000"/>
-              </a:lnSpc>
-              <a:defRPr/>
-            </a:pPr>
-            <a:r>
-              <a:rPr lang="en-US" altLang="ko-KR" sz="2400">
-                <a:solidFill>
-                  <a:schemeClr val="tx2">
-                    <a:lumMod val="60000"/>
-                    <a:lumOff val="40000"/>
-                  </a:schemeClr>
-                </a:solidFill>
-                <a:latin typeface="이순신 돋움체 M"/>
-                <a:ea typeface="Tahoma"/>
-                <a:cs typeface="Tahoma"/>
-              </a:rPr>
-              <a:t>03.</a:t>
-            </a:r>
-            <a:endParaRPr lang="en-US" altLang="ko-KR" sz="2400">
-              <a:solidFill>
-                <a:schemeClr val="tx2">
-                  <a:lumMod val="60000"/>
-                  <a:lumOff val="40000"/>
-                </a:schemeClr>
-              </a:solidFill>
-              <a:latin typeface="이순신 돋움체 M"/>
-              <a:ea typeface="Tahoma"/>
-              <a:cs typeface="Tahoma"/>
-            </a:endParaRPr>
-          </a:p>
-          <a:p>
-            <a:pPr eaLnBrk="1" hangingPunct="1">
-              <a:lnSpc>
-                <a:spcPct val="90000"/>
-              </a:lnSpc>
-              <a:defRPr/>
-            </a:pPr>
-            <a:r>
-              <a:rPr lang="en-US" altLang="ko-KR" sz="1600">
-                <a:solidFill>
-                  <a:schemeClr val="tx2">
-                    <a:lumMod val="60000"/>
-                    <a:lumOff val="40000"/>
-                  </a:schemeClr>
-                </a:solidFill>
-                <a:latin typeface="이순신 돋움체 M"/>
-                <a:ea typeface="Tahoma"/>
-                <a:cs typeface="Tahoma"/>
-              </a:rPr>
-              <a:t>UI</a:t>
-            </a:r>
-            <a:endParaRPr lang="en-US" altLang="ko-KR" sz="1600">
-              <a:solidFill>
-                <a:schemeClr val="tx2">
-                  <a:lumMod val="60000"/>
-                  <a:lumOff val="40000"/>
-                </a:schemeClr>
-              </a:solidFill>
-              <a:latin typeface="이순신 돋움체 M"/>
-              <a:ea typeface="Tahoma"/>
-              <a:cs typeface="Tahoma"/>
-            </a:endParaRPr>
-          </a:p>
-        </p:txBody>
-      </p:sp>
-      <p:sp>
-        <p:nvSpPr>
-          <p:cNvPr id="27" name="Rectangle 3"/>
-          <p:cNvSpPr txBox="1">
-            <a:spLocks noChangeArrowheads="1"/>
-          </p:cNvSpPr>
-          <p:nvPr/>
-        </p:nvSpPr>
-        <p:spPr>
-          <a:xfrm>
-            <a:off x="8721217" y="3959680"/>
-            <a:ext cx="432306" cy="553998"/>
-          </a:xfrm>
-          <a:prstGeom prst="rect">
-            <a:avLst/>
-          </a:prstGeom>
-          <a:noFill/>
-        </p:spPr>
-        <p:txBody>
-          <a:bodyPr wrap="none" lIns="0" tIns="0" rIns="0" bIns="0" anchor="ctr">
-            <a:spAutoFit/>
-          </a:bodyPr>
-          <a:lstStyle>
-            <a:lvl1pPr eaLnBrk="0" hangingPunct="0">
-              <a:defRPr kumimoji="1">
-                <a:solidFill>
-                  <a:schemeClr val="tx1"/>
-                </a:solidFill>
-                <a:latin typeface="굴림"/>
-                <a:ea typeface="굴림"/>
-              </a:defRPr>
-            </a:lvl1pPr>
-            <a:lvl2pPr marL="742950" indent="-285750" eaLnBrk="0" hangingPunct="0">
-              <a:defRPr kumimoji="1">
-                <a:solidFill>
-                  <a:schemeClr val="tx1"/>
-                </a:solidFill>
-                <a:latin typeface="굴림"/>
-                <a:ea typeface="굴림"/>
-              </a:defRPr>
-            </a:lvl2pPr>
-            <a:lvl3pPr marL="1143000" indent="-228600" eaLnBrk="0" hangingPunct="0">
-              <a:defRPr kumimoji="1">
-                <a:solidFill>
-                  <a:schemeClr val="tx1"/>
-                </a:solidFill>
-                <a:latin typeface="굴림"/>
-                <a:ea typeface="굴림"/>
-              </a:defRPr>
-            </a:lvl3pPr>
-            <a:lvl4pPr marL="1600200" indent="-228600" eaLnBrk="0" hangingPunct="0">
-              <a:defRPr kumimoji="1">
-                <a:solidFill>
-                  <a:schemeClr val="tx1"/>
-                </a:solidFill>
-                <a:latin typeface="굴림"/>
-                <a:ea typeface="굴림"/>
-              </a:defRPr>
-            </a:lvl4pPr>
-            <a:lvl5pPr marL="2057400" indent="-228600" eaLnBrk="0" hangingPunct="0">
-              <a:defRPr kumimoji="1">
-                <a:solidFill>
-                  <a:schemeClr val="tx1"/>
-                </a:solidFill>
-                <a:latin typeface="굴림"/>
-                <a:ea typeface="굴림"/>
-              </a:defRPr>
-            </a:lvl5pPr>
-            <a:lvl6pPr marL="2514600" indent="-228600" eaLnBrk="0" fontAlgn="base" hangingPunct="0">
-              <a:spcBef>
-                <a:spcPct val="0"/>
-              </a:spcBef>
-              <a:spcAft>
-                <a:spcPct val="0"/>
-              </a:spcAft>
-              <a:defRPr kumimoji="1">
-                <a:solidFill>
-                  <a:schemeClr val="tx1"/>
-                </a:solidFill>
-                <a:latin typeface="굴림"/>
-                <a:ea typeface="굴림"/>
-              </a:defRPr>
-            </a:lvl6pPr>
-            <a:lvl7pPr marL="2971800" indent="-228600" eaLnBrk="0" fontAlgn="base" hangingPunct="0">
-              <a:spcBef>
-                <a:spcPct val="0"/>
-              </a:spcBef>
-              <a:spcAft>
-                <a:spcPct val="0"/>
-              </a:spcAft>
-              <a:defRPr kumimoji="1">
-                <a:solidFill>
-                  <a:schemeClr val="tx1"/>
-                </a:solidFill>
-                <a:latin typeface="굴림"/>
-                <a:ea typeface="굴림"/>
-              </a:defRPr>
-            </a:lvl7pPr>
-            <a:lvl8pPr marL="3429000" indent="-228600" eaLnBrk="0" fontAlgn="base" hangingPunct="0">
-              <a:spcBef>
-                <a:spcPct val="0"/>
-              </a:spcBef>
-              <a:spcAft>
-                <a:spcPct val="0"/>
-              </a:spcAft>
-              <a:defRPr kumimoji="1">
-                <a:solidFill>
-                  <a:schemeClr val="tx1"/>
-                </a:solidFill>
-                <a:latin typeface="굴림"/>
-                <a:ea typeface="굴림"/>
-              </a:defRPr>
-            </a:lvl8pPr>
-            <a:lvl9pPr marL="3886200" indent="-228600" eaLnBrk="0" fontAlgn="base" hangingPunct="0">
-              <a:spcBef>
-                <a:spcPct val="0"/>
-              </a:spcBef>
-              <a:spcAft>
-                <a:spcPct val="0"/>
-              </a:spcAft>
-              <a:defRPr kumimoji="1">
-                <a:solidFill>
-                  <a:schemeClr val="tx1"/>
-                </a:solidFill>
-                <a:latin typeface="굴림"/>
-                <a:ea typeface="굴림"/>
-              </a:defRPr>
-            </a:lvl9pPr>
-          </a:lstStyle>
-          <a:p>
-            <a:pPr eaLnBrk="1" hangingPunct="1">
-              <a:lnSpc>
-                <a:spcPct val="90000"/>
-              </a:lnSpc>
-              <a:defRPr/>
-            </a:pPr>
-            <a:r>
-              <a:rPr lang="en-US" altLang="ko-KR" sz="2400">
-                <a:solidFill>
-                  <a:schemeClr val="tx2">
-                    <a:lumMod val="60000"/>
-                    <a:lumOff val="40000"/>
-                  </a:schemeClr>
-                </a:solidFill>
-                <a:latin typeface="이순신 돋움체 M"/>
-                <a:ea typeface="Tahoma"/>
-                <a:cs typeface="Tahoma"/>
-              </a:rPr>
-              <a:t>04.</a:t>
-            </a:r>
-            <a:endParaRPr lang="en-US" altLang="ko-KR" sz="2400">
-              <a:solidFill>
-                <a:schemeClr val="tx2">
-                  <a:lumMod val="60000"/>
-                  <a:lumOff val="40000"/>
-                </a:schemeClr>
-              </a:solidFill>
-              <a:latin typeface="이순신 돋움체 M"/>
-              <a:ea typeface="Tahoma"/>
-              <a:cs typeface="Tahoma"/>
-            </a:endParaRPr>
-          </a:p>
-          <a:p>
-            <a:pPr eaLnBrk="1" hangingPunct="1">
-              <a:lnSpc>
-                <a:spcPct val="90000"/>
-              </a:lnSpc>
-              <a:defRPr/>
-            </a:pPr>
-            <a:r>
-              <a:rPr lang="ko-KR" altLang="en-US" sz="1600">
-                <a:solidFill>
-                  <a:schemeClr val="tx2">
-                    <a:lumMod val="60000"/>
-                    <a:lumOff val="40000"/>
-                  </a:schemeClr>
-                </a:solidFill>
-                <a:latin typeface="이순신 돋움체 M"/>
-                <a:ea typeface="Tahoma"/>
-                <a:cs typeface="Tahoma"/>
-              </a:rPr>
-              <a:t>개발</a:t>
-            </a:r>
-            <a:endParaRPr lang="ko-KR" altLang="en-US" sz="1600">
-              <a:solidFill>
-                <a:schemeClr val="tx2">
-                  <a:lumMod val="60000"/>
-                  <a:lumOff val="40000"/>
-                </a:schemeClr>
-              </a:solidFill>
-              <a:latin typeface="이순신 돋움체 M"/>
-              <a:ea typeface="Tahoma"/>
-              <a:cs typeface="Tahoma"/>
-            </a:endParaRPr>
           </a:p>
         </p:txBody>
       </p:sp>
